--- a/Iain_Moncrief_ML_in_Chapel.pptx
+++ b/Iain_Moncrief_ML_in_Chapel.pptx
@@ -777,7 +777,12 @@
             <p:ph type="sldImg"/>
           </p:nvPr>
         </p:nvSpPr>
-        <p:spPr/>
+        <p:spPr>
+          <a:xfrm>
+            <a:off x="381000" y="381000"/>
+            <a:ext cx="4572000" cy="2573338"/>
+          </a:xfrm>
+        </p:spPr>
       </p:sp>
       <p:sp>
         <p:nvSpPr>
@@ -26473,6 +26478,52 @@
           </a:p>
         </p:txBody>
       </p:sp>
+      <p:sp>
+        <p:nvSpPr>
+          <p:cNvPr id="5" name="TextBox 4">
+            <a:extLst>
+              <a:ext uri="{FF2B5EF4-FFF2-40B4-BE49-F238E27FC236}">
+                <a16:creationId xmlns:a16="http://schemas.microsoft.com/office/drawing/2014/main" id="{A735F461-AB1F-96B6-F362-255082C1676C}"/>
+              </a:ext>
+            </a:extLst>
+          </p:cNvPr>
+          <p:cNvSpPr txBox="1"/>
+          <p:nvPr/>
+        </p:nvSpPr>
+        <p:spPr>
+          <a:xfrm>
+            <a:off x="2574388" y="4360985"/>
+            <a:ext cx="0" cy="0"/>
+          </a:xfrm>
+          <a:prstGeom prst="rect">
+            <a:avLst/>
+          </a:prstGeom>
+          <a:noFill/>
+          <a:ln w="57150">
+            <a:noFill/>
+            <a:miter lim="800000"/>
+          </a:ln>
+        </p:spPr>
+        <p:txBody>
+          <a:bodyPr wrap="none" lIns="90000" tIns="90000" rIns="90000" bIns="90000" rtlCol="0" anchor="ctr" anchorCtr="0">
+            <a:noAutofit/>
+          </a:bodyPr>
+          <a:lstStyle/>
+          <a:p>
+            <a:pPr marL="0" indent="0" algn="ctr">
+              <a:lnSpc>
+                <a:spcPct val="90000"/>
+              </a:lnSpc>
+              <a:spcBef>
+                <a:spcPts val="400"/>
+              </a:spcBef>
+              <a:buFont typeface="MetricHPE" panose="020B0503030202060203" pitchFamily="34" charset="0"/>
+              <a:buNone/>
+            </a:pPr>
+            <a:endParaRPr lang="en-US" dirty="0" err="1"/>
+          </a:p>
+        </p:txBody>
+      </p:sp>
     </p:spTree>
     <p:extLst>
       <p:ext uri="{BB962C8B-B14F-4D97-AF65-F5344CB8AC3E}">

--- a/Iain_Moncrief_ML_in_Chapel.pptx
+++ b/Iain_Moncrief_ML_in_Chapel.pptx
@@ -5,10 +5,10 @@
     <p:sldMasterId id="2147483648" r:id="rId1"/>
   </p:sldMasterIdLst>
   <p:notesMasterIdLst>
-    <p:notesMasterId r:id="rId13"/>
+    <p:notesMasterId r:id="rId14"/>
   </p:notesMasterIdLst>
   <p:handoutMasterIdLst>
-    <p:handoutMasterId r:id="rId14"/>
+    <p:handoutMasterId r:id="rId15"/>
   </p:handoutMasterIdLst>
   <p:sldIdLst>
     <p:sldId id="267" r:id="rId2"/>
@@ -16,36 +16,43 @@
     <p:sldId id="278" r:id="rId4"/>
     <p:sldId id="279" r:id="rId5"/>
     <p:sldId id="280" r:id="rId6"/>
-    <p:sldId id="277" r:id="rId7"/>
-    <p:sldId id="261" r:id="rId8"/>
-    <p:sldId id="282" r:id="rId9"/>
-    <p:sldId id="285" r:id="rId10"/>
-    <p:sldId id="283" r:id="rId11"/>
-    <p:sldId id="284" r:id="rId12"/>
+    <p:sldId id="286" r:id="rId7"/>
+    <p:sldId id="277" r:id="rId8"/>
+    <p:sldId id="261" r:id="rId9"/>
+    <p:sldId id="287" r:id="rId10"/>
+    <p:sldId id="282" r:id="rId11"/>
+    <p:sldId id="285" r:id="rId12"/>
+    <p:sldId id="284" r:id="rId13"/>
   </p:sldIdLst>
   <p:sldSz cx="12192000" cy="6858000"/>
   <p:notesSz cx="6858000" cy="9144000"/>
   <p:embeddedFontLst>
     <p:embeddedFont>
       <p:font typeface="MetricHPE" panose="020B0503030202060203" pitchFamily="34" charset="77"/>
-      <p:regular r:id="rId15"/>
-      <p:bold r:id="rId16"/>
-      <p:italic r:id="rId17"/>
-      <p:boldItalic r:id="rId18"/>
+      <p:regular r:id="rId16"/>
+      <p:bold r:id="rId17"/>
+      <p:italic r:id="rId18"/>
+      <p:boldItalic r:id="rId19"/>
     </p:embeddedFont>
     <p:embeddedFont>
       <p:font typeface="MetricHPE Black" panose="020B0803030202060203" pitchFamily="34" charset="77"/>
-      <p:bold r:id="rId19"/>
-      <p:italic r:id="rId20"/>
-      <p:boldItalic r:id="rId21"/>
+      <p:bold r:id="rId20"/>
+      <p:italic r:id="rId21"/>
+      <p:boldItalic r:id="rId22"/>
+    </p:embeddedFont>
+    <p:embeddedFont>
+      <p:font typeface="SF MONO HEAVY" panose="020B0009000002000000" pitchFamily="49" charset="0"/>
+      <p:bold r:id="rId23"/>
+      <p:italic r:id="rId24"/>
+      <p:boldItalic r:id="rId25"/>
     </p:embeddedFont>
     <p:embeddedFont>
       <p:font typeface="SFMono-Regular" panose="020B0009000002000000" pitchFamily="49" charset="0"/>
-      <p:regular r:id="rId22"/>
+      <p:regular r:id="rId26"/>
     </p:embeddedFont>
   </p:embeddedFontLst>
   <p:custDataLst>
-    <p:tags r:id="rId23"/>
+    <p:tags r:id="rId27"/>
   </p:custDataLst>
   <p:defaultTextStyle>
     <a:defPPr>
@@ -152,11 +159,12 @@
             <p14:sldId id="278"/>
             <p14:sldId id="279"/>
             <p14:sldId id="280"/>
+            <p14:sldId id="286"/>
             <p14:sldId id="277"/>
             <p14:sldId id="261"/>
+            <p14:sldId id="287"/>
             <p14:sldId id="282"/>
             <p14:sldId id="285"/>
-            <p14:sldId id="283"/>
             <p14:sldId id="284"/>
           </p14:sldIdLst>
         </p14:section>
@@ -867,7 +875,12 @@
             <p:ph type="sldImg"/>
           </p:nvPr>
         </p:nvSpPr>
-        <p:spPr/>
+        <p:spPr>
+          <a:xfrm>
+            <a:off x="381000" y="381000"/>
+            <a:ext cx="4572000" cy="2573338"/>
+          </a:xfrm>
+        </p:spPr>
       </p:sp>
       <p:sp>
         <p:nvSpPr>
@@ -884,7 +897,18 @@
           <a:bodyPr/>
           <a:lstStyle/>
           <a:p>
-            <a:endParaRPr lang="en-US" dirty="0"/>
+            <a:r>
+              <a:rPr lang="en-US" dirty="0"/>
+              <a:t>Plain </a:t>
+            </a:r>
+            <a:r>
+              <a:rPr lang="en-US" dirty="0" err="1"/>
+              <a:t>Python+NumPy</a:t>
+            </a:r>
+            <a:r>
+              <a:rPr lang="en-US" dirty="0"/>
+              <a:t> acts as a baseline benchmark since it is free of advanced numerical optimizations</a:t>
+            </a:r>
           </a:p>
         </p:txBody>
       </p:sp>
@@ -915,7 +939,215 @@
     </p:spTree>
     <p:extLst>
       <p:ext uri="{BB962C8B-B14F-4D97-AF65-F5344CB8AC3E}">
+        <p14:creationId xmlns:p14="http://schemas.microsoft.com/office/powerpoint/2010/main" val="1278907436"/>
+      </p:ext>
+    </p:extLst>
+  </p:cSld>
+  <p:clrMapOvr>
+    <a:masterClrMapping/>
+  </p:clrMapOvr>
+</p:notes>
+</file>
+
+<file path=ppt/notesSlides/notesSlide3.xml><?xml version="1.0" encoding="utf-8"?>
+<p:notes xmlns:a="http://schemas.openxmlformats.org/drawingml/2006/main" xmlns:r="http://schemas.openxmlformats.org/officeDocument/2006/relationships" xmlns:p="http://schemas.openxmlformats.org/presentationml/2006/main">
+  <p:cSld>
+    <p:spTree>
+      <p:nvGrpSpPr>
+        <p:cNvPr id="1" name=""/>
+        <p:cNvGrpSpPr/>
+        <p:nvPr/>
+      </p:nvGrpSpPr>
+      <p:grpSpPr>
+        <a:xfrm>
+          <a:off x="0" y="0"/>
+          <a:ext cx="0" cy="0"/>
+          <a:chOff x="0" y="0"/>
+          <a:chExt cx="0" cy="0"/>
+        </a:xfrm>
+      </p:grpSpPr>
+      <p:sp>
+        <p:nvSpPr>
+          <p:cNvPr id="2" name="Slide Image Placeholder 1"/>
+          <p:cNvSpPr>
+            <a:spLocks noGrp="1" noRot="1" noChangeAspect="1"/>
+          </p:cNvSpPr>
+          <p:nvPr>
+            <p:ph type="sldImg"/>
+          </p:nvPr>
+        </p:nvSpPr>
+        <p:spPr>
+          <a:xfrm>
+            <a:off x="381000" y="381000"/>
+            <a:ext cx="4572000" cy="2573338"/>
+          </a:xfrm>
+        </p:spPr>
+      </p:sp>
+      <p:sp>
+        <p:nvSpPr>
+          <p:cNvPr id="3" name="Notes Placeholder 2"/>
+          <p:cNvSpPr>
+            <a:spLocks noGrp="1"/>
+          </p:cNvSpPr>
+          <p:nvPr>
+            <p:ph type="body" idx="1"/>
+          </p:nvPr>
+        </p:nvSpPr>
+        <p:spPr/>
+        <p:txBody>
+          <a:bodyPr/>
+          <a:lstStyle/>
+          <a:p>
+            <a:r>
+              <a:rPr lang="en-US" dirty="0"/>
+              <a:t>Why is there a speedup?</a:t>
+            </a:r>
+          </a:p>
+          <a:p>
+            <a:r>
+              <a:rPr lang="en-US" dirty="0"/>
+              <a:t>I am comparing Chapel code to python code that I have written using NumPy, not </a:t>
+            </a:r>
+            <a:r>
+              <a:rPr lang="en-US" dirty="0" err="1"/>
+              <a:t>PyTorch</a:t>
+            </a:r>
+            <a:r>
+              <a:rPr lang="en-US" dirty="0"/>
+              <a:t>. </a:t>
+            </a:r>
+          </a:p>
+        </p:txBody>
+      </p:sp>
+      <p:sp>
+        <p:nvSpPr>
+          <p:cNvPr id="4" name="Slide Number Placeholder 3"/>
+          <p:cNvSpPr>
+            <a:spLocks noGrp="1"/>
+          </p:cNvSpPr>
+          <p:nvPr>
+            <p:ph type="sldNum" sz="quarter" idx="5"/>
+          </p:nvPr>
+        </p:nvSpPr>
+        <p:spPr/>
+        <p:txBody>
+          <a:bodyPr/>
+          <a:lstStyle/>
+          <a:p>
+            <a:fld id="{5BFEAE42-E3FE-4405-B7FC-4425D05B92A0}" type="slidenum">
+              <a:rPr lang="en-US" smtClean="0"/>
+              <a:pPr/>
+              <a:t>7</a:t>
+            </a:fld>
+            <a:endParaRPr lang="en-US" dirty="0"/>
+          </a:p>
+        </p:txBody>
+      </p:sp>
+    </p:spTree>
+    <p:extLst>
+      <p:ext uri="{BB962C8B-B14F-4D97-AF65-F5344CB8AC3E}">
         <p14:creationId xmlns:p14="http://schemas.microsoft.com/office/powerpoint/2010/main" val="1343293640"/>
+      </p:ext>
+    </p:extLst>
+  </p:cSld>
+  <p:clrMapOvr>
+    <a:masterClrMapping/>
+  </p:clrMapOvr>
+</p:notes>
+</file>
+
+<file path=ppt/notesSlides/notesSlide4.xml><?xml version="1.0" encoding="utf-8"?>
+<p:notes xmlns:a="http://schemas.openxmlformats.org/drawingml/2006/main" xmlns:r="http://schemas.openxmlformats.org/officeDocument/2006/relationships" xmlns:p="http://schemas.openxmlformats.org/presentationml/2006/main">
+  <p:cSld>
+    <p:spTree>
+      <p:nvGrpSpPr>
+        <p:cNvPr id="1" name=""/>
+        <p:cNvGrpSpPr/>
+        <p:nvPr/>
+      </p:nvGrpSpPr>
+      <p:grpSpPr>
+        <a:xfrm>
+          <a:off x="0" y="0"/>
+          <a:ext cx="0" cy="0"/>
+          <a:chOff x="0" y="0"/>
+          <a:chExt cx="0" cy="0"/>
+        </a:xfrm>
+      </p:grpSpPr>
+      <p:sp>
+        <p:nvSpPr>
+          <p:cNvPr id="2" name="Slide Image Placeholder 1"/>
+          <p:cNvSpPr>
+            <a:spLocks noGrp="1" noRot="1" noChangeAspect="1"/>
+          </p:cNvSpPr>
+          <p:nvPr>
+            <p:ph type="sldImg"/>
+          </p:nvPr>
+        </p:nvSpPr>
+        <p:spPr>
+          <a:xfrm>
+            <a:off x="381000" y="381000"/>
+            <a:ext cx="4572000" cy="2573338"/>
+          </a:xfrm>
+        </p:spPr>
+      </p:sp>
+      <p:sp>
+        <p:nvSpPr>
+          <p:cNvPr id="3" name="Notes Placeholder 2"/>
+          <p:cNvSpPr>
+            <a:spLocks noGrp="1"/>
+          </p:cNvSpPr>
+          <p:nvPr>
+            <p:ph type="body" idx="1"/>
+          </p:nvPr>
+        </p:nvSpPr>
+        <p:spPr/>
+        <p:txBody>
+          <a:bodyPr/>
+          <a:lstStyle/>
+          <a:p>
+            <a:r>
+              <a:rPr lang="en-US" dirty="0"/>
+              <a:t>Python is much slower here because not all of the computations can be done in plain </a:t>
+            </a:r>
+            <a:r>
+              <a:rPr lang="en-US" dirty="0" err="1"/>
+              <a:t>numpy</a:t>
+            </a:r>
+            <a:r>
+              <a:rPr lang="en-US" dirty="0"/>
+              <a:t>. </a:t>
+            </a:r>
+          </a:p>
+        </p:txBody>
+      </p:sp>
+      <p:sp>
+        <p:nvSpPr>
+          <p:cNvPr id="4" name="Slide Number Placeholder 3"/>
+          <p:cNvSpPr>
+            <a:spLocks noGrp="1"/>
+          </p:cNvSpPr>
+          <p:nvPr>
+            <p:ph type="sldNum" sz="quarter" idx="5"/>
+          </p:nvPr>
+        </p:nvSpPr>
+        <p:spPr/>
+        <p:txBody>
+          <a:bodyPr/>
+          <a:lstStyle/>
+          <a:p>
+            <a:fld id="{5BFEAE42-E3FE-4405-B7FC-4425D05B92A0}" type="slidenum">
+              <a:rPr lang="en-US" smtClean="0"/>
+              <a:pPr/>
+              <a:t>10</a:t>
+            </a:fld>
+            <a:endParaRPr lang="en-US" dirty="0"/>
+          </a:p>
+        </p:txBody>
+      </p:sp>
+    </p:spTree>
+    <p:extLst>
+      <p:ext uri="{BB962C8B-B14F-4D97-AF65-F5344CB8AC3E}">
+        <p14:creationId xmlns:p14="http://schemas.microsoft.com/office/powerpoint/2010/main" val="717266976"/>
       </p:ext>
     </p:extLst>
   </p:cSld>
@@ -26566,6 +26798,43 @@
           <a:chExt cx="0" cy="0"/>
         </a:xfrm>
       </p:grpSpPr>
+      <p:pic>
+        <p:nvPicPr>
+          <p:cNvPr id="3" name="Content Placeholder 2">
+            <a:extLst>
+              <a:ext uri="{FF2B5EF4-FFF2-40B4-BE49-F238E27FC236}">
+                <a16:creationId xmlns:a16="http://schemas.microsoft.com/office/drawing/2014/main" id="{1CE18448-2D47-CACD-7EBF-5E2A512A264A}"/>
+              </a:ext>
+            </a:extLst>
+          </p:cNvPr>
+          <p:cNvPicPr>
+            <a:picLocks noGrp="1" noChangeAspect="1"/>
+          </p:cNvPicPr>
+          <p:nvPr>
+            <p:ph idx="1"/>
+          </p:nvPr>
+        </p:nvPicPr>
+        <p:blipFill rotWithShape="1">
+          <a:blip r:embed="rId3">
+            <a:extLst>
+              <a:ext uri="{28A0092B-C50C-407E-A947-70E740481C1C}">
+                <a14:useLocalDpi xmlns:a14="http://schemas.microsoft.com/office/drawing/2010/main" val="0"/>
+              </a:ext>
+              <a:ext uri="{96DAC541-7B7A-43D3-8B79-37D633B846F1}">
+                <asvg:svgBlip xmlns:asvg="http://schemas.microsoft.com/office/drawing/2016/SVG/main" r:embed="rId4"/>
+              </a:ext>
+            </a:extLst>
+          </a:blip>
+          <a:srcRect l="32465" t="18812" r="12081" b="14735"/>
+          <a:stretch/>
+        </p:blipFill>
+        <p:spPr>
+          <a:xfrm>
+            <a:off x="6914524" y="3078712"/>
+            <a:ext cx="5143500" cy="3387436"/>
+          </a:xfrm>
+        </p:spPr>
+      </p:pic>
       <p:sp>
         <p:nvSpPr>
           <p:cNvPr id="21" name="Title 20">
@@ -26587,16 +26856,231 @@
           <a:bodyPr/>
           <a:lstStyle/>
           <a:p>
-            <a:endParaRPr lang="en-US" dirty="0"/>
-          </a:p>
-        </p:txBody>
-      </p:sp>
+            <a:r>
+              <a:rPr lang="en-US" dirty="0"/>
+              <a:t>Speed Comparison (MNIST Classification)</a:t>
+            </a:r>
+          </a:p>
+        </p:txBody>
+      </p:sp>
+      <p:grpSp>
+        <p:nvGrpSpPr>
+          <p:cNvPr id="9" name="Group 8">
+            <a:extLst>
+              <a:ext uri="{FF2B5EF4-FFF2-40B4-BE49-F238E27FC236}">
+                <a16:creationId xmlns:a16="http://schemas.microsoft.com/office/drawing/2014/main" id="{2C6F66A9-D9A7-5858-2777-60A4180E344C}"/>
+              </a:ext>
+            </a:extLst>
+          </p:cNvPr>
+          <p:cNvGrpSpPr/>
+          <p:nvPr/>
+        </p:nvGrpSpPr>
+        <p:grpSpPr>
+          <a:xfrm>
+            <a:off x="8466413" y="656689"/>
+            <a:ext cx="2968270" cy="1835686"/>
+            <a:chOff x="3629207" y="823412"/>
+            <a:chExt cx="2968270" cy="1835686"/>
+          </a:xfrm>
+        </p:grpSpPr>
+        <p:grpSp>
+          <p:nvGrpSpPr>
+            <p:cNvPr id="7" name="Group 6">
+              <a:extLst>
+                <a:ext uri="{FF2B5EF4-FFF2-40B4-BE49-F238E27FC236}">
+                  <a16:creationId xmlns:a16="http://schemas.microsoft.com/office/drawing/2014/main" id="{CFCC4B76-CC7C-4721-7CFD-7ECD26C49F3F}"/>
+                </a:ext>
+              </a:extLst>
+            </p:cNvPr>
+            <p:cNvGrpSpPr/>
+            <p:nvPr/>
+          </p:nvGrpSpPr>
+          <p:grpSpPr>
+            <a:xfrm>
+              <a:off x="3629207" y="823412"/>
+              <a:ext cx="2968270" cy="891088"/>
+              <a:chOff x="3629207" y="823412"/>
+              <a:chExt cx="2968270" cy="891088"/>
+            </a:xfrm>
+          </p:grpSpPr>
+          <p:pic>
+            <p:nvPicPr>
+              <p:cNvPr id="4" name="Picture 3" descr="A white letter l on a black background&#10;&#10;Description automatically generated">
+                <a:extLst>
+                  <a:ext uri="{FF2B5EF4-FFF2-40B4-BE49-F238E27FC236}">
+                    <a16:creationId xmlns:a16="http://schemas.microsoft.com/office/drawing/2014/main" id="{661FFF21-BAEF-833D-4E53-1EE91883168E}"/>
+                  </a:ext>
+                </a:extLst>
+              </p:cNvPr>
+              <p:cNvPicPr>
+                <a:picLocks noChangeAspect="1"/>
+              </p:cNvPicPr>
+              <p:nvPr/>
+            </p:nvPicPr>
+            <p:blipFill>
+              <a:blip r:embed="rId5">
+                <a:extLst>
+                  <a:ext uri="{28A0092B-C50C-407E-A947-70E740481C1C}">
+                    <a14:useLocalDpi xmlns:a14="http://schemas.microsoft.com/office/drawing/2010/main" val="0"/>
+                  </a:ext>
+                </a:extLst>
+              </a:blip>
+              <a:stretch>
+                <a:fillRect/>
+              </a:stretch>
+            </p:blipFill>
+            <p:spPr>
+              <a:xfrm>
+                <a:off x="5728855" y="823414"/>
+                <a:ext cx="868622" cy="891086"/>
+              </a:xfrm>
+              <a:prstGeom prst="rect">
+                <a:avLst/>
+              </a:prstGeom>
+            </p:spPr>
+          </p:pic>
+          <p:pic>
+            <p:nvPicPr>
+              <p:cNvPr id="5" name="Picture 4" descr="A white lightning bolt on a black background&#10;&#10;Description automatically generated">
+                <a:extLst>
+                  <a:ext uri="{FF2B5EF4-FFF2-40B4-BE49-F238E27FC236}">
+                    <a16:creationId xmlns:a16="http://schemas.microsoft.com/office/drawing/2014/main" id="{4393870F-B755-0A5E-AE0E-03F1B32584F2}"/>
+                  </a:ext>
+                </a:extLst>
+              </p:cNvPr>
+              <p:cNvPicPr>
+                <a:picLocks noChangeAspect="1"/>
+              </p:cNvPicPr>
+              <p:nvPr/>
+            </p:nvPicPr>
+            <p:blipFill>
+              <a:blip r:embed="rId6">
+                <a:extLst>
+                  <a:ext uri="{28A0092B-C50C-407E-A947-70E740481C1C}">
+                    <a14:useLocalDpi xmlns:a14="http://schemas.microsoft.com/office/drawing/2010/main" val="0"/>
+                  </a:ext>
+                </a:extLst>
+              </a:blip>
+              <a:stretch>
+                <a:fillRect/>
+              </a:stretch>
+            </p:blipFill>
+            <p:spPr>
+              <a:xfrm>
+                <a:off x="4463258" y="823412"/>
+                <a:ext cx="898452" cy="891088"/>
+              </a:xfrm>
+              <a:prstGeom prst="rect">
+                <a:avLst/>
+              </a:prstGeom>
+            </p:spPr>
+          </p:pic>
+          <p:sp>
+            <p:nvSpPr>
+              <p:cNvPr id="6" name="TextBox 5">
+                <a:extLst>
+                  <a:ext uri="{FF2B5EF4-FFF2-40B4-BE49-F238E27FC236}">
+                    <a16:creationId xmlns:a16="http://schemas.microsoft.com/office/drawing/2014/main" id="{D1586C1B-6A99-8611-EC71-941358927AD1}"/>
+                  </a:ext>
+                </a:extLst>
+              </p:cNvPr>
+              <p:cNvSpPr txBox="1"/>
+              <p:nvPr/>
+            </p:nvSpPr>
+            <p:spPr>
+              <a:xfrm>
+                <a:off x="3629207" y="1184564"/>
+                <a:ext cx="566667" cy="401362"/>
+              </a:xfrm>
+              <a:prstGeom prst="rect">
+                <a:avLst/>
+              </a:prstGeom>
+              <a:noFill/>
+              <a:ln w="57150">
+                <a:noFill/>
+                <a:miter lim="800000"/>
+              </a:ln>
+            </p:spPr>
+            <p:txBody>
+              <a:bodyPr wrap="none" lIns="90000" tIns="90000" rIns="90000" bIns="90000" rtlCol="0" anchor="ctr" anchorCtr="0">
+                <a:noAutofit/>
+              </a:bodyPr>
+              <a:lstStyle/>
+              <a:p>
+                <a:pPr marL="0" indent="0" algn="ctr">
+                  <a:lnSpc>
+                    <a:spcPct val="90000"/>
+                  </a:lnSpc>
+                  <a:spcBef>
+                    <a:spcPts val="400"/>
+                  </a:spcBef>
+                  <a:buFont typeface="MetricHPE" panose="020B0503030202060203" pitchFamily="34" charset="0"/>
+                  <a:buNone/>
+                </a:pPr>
+                <a:r>
+                  <a:rPr lang="en-US" dirty="0"/>
+                  <a:t>Input: </a:t>
+                </a:r>
+              </a:p>
+            </p:txBody>
+          </p:sp>
+        </p:grpSp>
+        <p:sp>
+          <p:nvSpPr>
+            <p:cNvPr id="8" name="TextBox 7">
+              <a:extLst>
+                <a:ext uri="{FF2B5EF4-FFF2-40B4-BE49-F238E27FC236}">
+                  <a16:creationId xmlns:a16="http://schemas.microsoft.com/office/drawing/2014/main" id="{7A1B5ECE-8692-A1D4-E998-7E42038B11D9}"/>
+                </a:ext>
+              </a:extLst>
+            </p:cNvPr>
+            <p:cNvSpPr txBox="1"/>
+            <p:nvPr/>
+          </p:nvSpPr>
+          <p:spPr>
+            <a:xfrm>
+              <a:off x="3962079" y="1744698"/>
+              <a:ext cx="914400" cy="914400"/>
+            </a:xfrm>
+            <a:prstGeom prst="rect">
+              <a:avLst/>
+            </a:prstGeom>
+            <a:noFill/>
+            <a:ln w="57150">
+              <a:noFill/>
+              <a:miter lim="800000"/>
+            </a:ln>
+          </p:spPr>
+          <p:txBody>
+            <a:bodyPr wrap="none" lIns="90000" tIns="90000" rIns="90000" bIns="90000" rtlCol="0" anchor="ctr" anchorCtr="0">
+              <a:noAutofit/>
+            </a:bodyPr>
+            <a:lstStyle/>
+            <a:p>
+              <a:pPr marL="0" indent="0" algn="ctr">
+                <a:lnSpc>
+                  <a:spcPct val="90000"/>
+                </a:lnSpc>
+                <a:spcBef>
+                  <a:spcPts val="400"/>
+                </a:spcBef>
+                <a:buFont typeface="MetricHPE" panose="020B0503030202060203" pitchFamily="34" charset="0"/>
+                <a:buNone/>
+              </a:pPr>
+              <a:r>
+                <a:rPr lang="en-US" dirty="0"/>
+                <a:t>Output: 0,1,2,3,…,9</a:t>
+              </a:r>
+            </a:p>
+          </p:txBody>
+        </p:sp>
+      </p:grpSp>
       <p:pic>
         <p:nvPicPr>
-          <p:cNvPr id="5" name="Picture 4" descr="A graph of data size and data size&#10;&#10;Description automatically generated">
+          <p:cNvPr id="11" name="Picture 10" descr="A graph with red and blue lines&#10;&#10;Description automatically generated">
             <a:extLst>
               <a:ext uri="{FF2B5EF4-FFF2-40B4-BE49-F238E27FC236}">
-                <a16:creationId xmlns:a16="http://schemas.microsoft.com/office/drawing/2014/main" id="{C8B65693-C3AE-BEFF-CF55-9037E8DBAB1F}"/>
+                <a16:creationId xmlns:a16="http://schemas.microsoft.com/office/drawing/2014/main" id="{50FD26B6-A02B-6F82-71C4-D47FE8F73719}"/>
               </a:ext>
             </a:extLst>
           </p:cNvPr>
@@ -26606,7 +27090,7 @@
           <p:nvPr/>
         </p:nvPicPr>
         <p:blipFill>
-          <a:blip r:embed="rId2">
+          <a:blip r:embed="rId7">
             <a:extLst>
               <a:ext uri="{28A0092B-C50C-407E-A947-70E740481C1C}">
                 <a14:useLocalDpi xmlns:a14="http://schemas.microsoft.com/office/drawing/2010/main" val="0"/>
@@ -26619,99 +27103,18 @@
         </p:blipFill>
         <p:spPr>
           <a:xfrm>
-            <a:off x="700878" y="1582127"/>
-            <a:ext cx="5334000" cy="3975100"/>
+            <a:off x="323682" y="1122442"/>
+            <a:ext cx="6590842" cy="4911747"/>
           </a:xfrm>
           <a:prstGeom prst="rect">
             <a:avLst/>
           </a:prstGeom>
         </p:spPr>
       </p:pic>
-      <p:pic>
-        <p:nvPicPr>
-          <p:cNvPr id="13" name="Content Placeholder 12" descr="A graph of data size and data size&#10;&#10;Description automatically generated">
-            <a:extLst>
-              <a:ext uri="{FF2B5EF4-FFF2-40B4-BE49-F238E27FC236}">
-                <a16:creationId xmlns:a16="http://schemas.microsoft.com/office/drawing/2014/main" id="{6159EA44-C989-0890-44B2-1BE6C21A8DBD}"/>
-              </a:ext>
-            </a:extLst>
-          </p:cNvPr>
-          <p:cNvPicPr>
-            <a:picLocks noGrp="1" noChangeAspect="1"/>
-          </p:cNvPicPr>
-          <p:nvPr>
-            <p:ph idx="1"/>
-          </p:nvPr>
-        </p:nvPicPr>
-        <p:blipFill>
-          <a:blip r:embed="rId3">
-            <a:extLst>
-              <a:ext uri="{28A0092B-C50C-407E-A947-70E740481C1C}">
-                <a14:useLocalDpi xmlns:a14="http://schemas.microsoft.com/office/drawing/2010/main" val="0"/>
-              </a:ext>
-            </a:extLst>
-          </a:blip>
-          <a:stretch>
-            <a:fillRect/>
-          </a:stretch>
-        </p:blipFill>
-        <p:spPr>
-          <a:xfrm>
-            <a:off x="6034878" y="1582127"/>
-            <a:ext cx="5257800" cy="3975100"/>
-          </a:xfrm>
-        </p:spPr>
-      </p:pic>
-      <p:sp>
-        <p:nvSpPr>
-          <p:cNvPr id="14" name="TextBox 13">
-            <a:extLst>
-              <a:ext uri="{FF2B5EF4-FFF2-40B4-BE49-F238E27FC236}">
-                <a16:creationId xmlns:a16="http://schemas.microsoft.com/office/drawing/2014/main" id="{8530C260-1820-B906-484F-318633D515AC}"/>
-              </a:ext>
-            </a:extLst>
-          </p:cNvPr>
-          <p:cNvSpPr txBox="1"/>
-          <p:nvPr/>
-        </p:nvSpPr>
-        <p:spPr>
-          <a:xfrm>
-            <a:off x="8201465" y="6386732"/>
-            <a:ext cx="0" cy="0"/>
-          </a:xfrm>
-          <a:prstGeom prst="rect">
-            <a:avLst/>
-          </a:prstGeom>
-          <a:noFill/>
-          <a:ln w="57150">
-            <a:noFill/>
-            <a:miter lim="800000"/>
-          </a:ln>
-        </p:spPr>
-        <p:txBody>
-          <a:bodyPr wrap="none" lIns="90000" tIns="90000" rIns="90000" bIns="90000" rtlCol="0" anchor="ctr" anchorCtr="0">
-            <a:noAutofit/>
-          </a:bodyPr>
-          <a:lstStyle/>
-          <a:p>
-            <a:pPr marL="0" indent="0" algn="ctr">
-              <a:lnSpc>
-                <a:spcPct val="90000"/>
-              </a:lnSpc>
-              <a:spcBef>
-                <a:spcPts val="400"/>
-              </a:spcBef>
-              <a:buFont typeface="MetricHPE" panose="020B0503030202060203" pitchFamily="34" charset="0"/>
-              <a:buNone/>
-            </a:pPr>
-            <a:endParaRPr lang="en-US" dirty="0" err="1"/>
-          </a:p>
-        </p:txBody>
-      </p:sp>
     </p:spTree>
     <p:extLst>
       <p:ext uri="{BB962C8B-B14F-4D97-AF65-F5344CB8AC3E}">
-        <p14:creationId xmlns:p14="http://schemas.microsoft.com/office/powerpoint/2010/main" val="3032166216"/>
+        <p14:creationId xmlns:p14="http://schemas.microsoft.com/office/powerpoint/2010/main" val="1973119997"/>
       </p:ext>
     </p:extLst>
   </p:cSld>
@@ -26734,6 +27137,76 @@
 </file>
 
 <file path=ppt/slides/slide11.xml><?xml version="1.0" encoding="utf-8"?>
+<p:sld xmlns:a="http://schemas.openxmlformats.org/drawingml/2006/main" xmlns:r="http://schemas.openxmlformats.org/officeDocument/2006/relationships" xmlns:p="http://schemas.openxmlformats.org/presentationml/2006/main">
+  <p:cSld>
+    <p:spTree>
+      <p:nvGrpSpPr>
+        <p:cNvPr id="1" name=""/>
+        <p:cNvGrpSpPr/>
+        <p:nvPr/>
+      </p:nvGrpSpPr>
+      <p:grpSpPr>
+        <a:xfrm>
+          <a:off x="0" y="0"/>
+          <a:ext cx="0" cy="0"/>
+          <a:chOff x="0" y="0"/>
+          <a:chExt cx="0" cy="0"/>
+        </a:xfrm>
+      </p:grpSpPr>
+      <p:sp>
+        <p:nvSpPr>
+          <p:cNvPr id="2" name="Title 1">
+            <a:extLst>
+              <a:ext uri="{FF2B5EF4-FFF2-40B4-BE49-F238E27FC236}">
+                <a16:creationId xmlns:a16="http://schemas.microsoft.com/office/drawing/2014/main" id="{63774DE2-160D-CED4-4828-480DDA8E0708}"/>
+              </a:ext>
+            </a:extLst>
+          </p:cNvPr>
+          <p:cNvSpPr>
+            <a:spLocks noGrp="1"/>
+          </p:cNvSpPr>
+          <p:nvPr>
+            <p:ph type="title"/>
+          </p:nvPr>
+        </p:nvSpPr>
+        <p:spPr/>
+        <p:txBody>
+          <a:bodyPr/>
+          <a:lstStyle/>
+          <a:p>
+            <a:r>
+              <a:rPr lang="en-US" sz="4000" dirty="0"/>
+              <a:t>Thank you</a:t>
+            </a:r>
+          </a:p>
+        </p:txBody>
+      </p:sp>
+    </p:spTree>
+    <p:extLst>
+      <p:ext uri="{BB962C8B-B14F-4D97-AF65-F5344CB8AC3E}">
+        <p14:creationId xmlns:p14="http://schemas.microsoft.com/office/powerpoint/2010/main" val="3644079142"/>
+      </p:ext>
+    </p:extLst>
+  </p:cSld>
+  <p:clrMapOvr>
+    <a:masterClrMapping/>
+  </p:clrMapOvr>
+  <mc:AlternateContent xmlns:mc="http://schemas.openxmlformats.org/markup-compatibility/2006" xmlns:p14="http://schemas.microsoft.com/office/powerpoint/2010/main">
+    <mc:Choice Requires="p14">
+      <p:transition spd="med" p14:dur="700">
+        <p:fade/>
+      </p:transition>
+    </mc:Choice>
+    <mc:Fallback xmlns="">
+      <p:transition spd="med">
+        <p:fade/>
+      </p:transition>
+    </mc:Fallback>
+  </mc:AlternateContent>
+</p:sld>
+</file>
+
+<file path=ppt/slides/slide12.xml><?xml version="1.0" encoding="utf-8"?>
 <p:sld xmlns:a="http://schemas.openxmlformats.org/drawingml/2006/main" xmlns:r="http://schemas.openxmlformats.org/officeDocument/2006/relationships" xmlns:p="http://schemas.openxmlformats.org/presentationml/2006/main">
   <p:cSld>
     <p:spTree>
@@ -27800,7 +28273,7 @@
           <a:p>
             <a:r>
               <a:rPr lang="en-US" dirty="0"/>
-              <a:t>Sophisticated array programming</a:t>
+              <a:t>Distributed array programming</a:t>
             </a:r>
           </a:p>
           <a:p>
@@ -27928,7 +28401,19 @@
           <a:p>
             <a:r>
               <a:rPr lang="en-US" dirty="0"/>
-              <a:t>Implement ML programs in Chapel</a:t>
+              <a:t>Implement ML programs in Python, only using NumPy</a:t>
+            </a:r>
+          </a:p>
+          <a:p>
+            <a:r>
+              <a:rPr lang="en-US" dirty="0"/>
+              <a:t>Translate those programs to Chapel</a:t>
+            </a:r>
+          </a:p>
+          <a:p>
+            <a:r>
+              <a:rPr lang="en-US" dirty="0"/>
+              <a:t>Performance comparisons between the two versions</a:t>
             </a:r>
           </a:p>
           <a:p>
@@ -27938,10 +28423,7 @@
             </a:r>
           </a:p>
           <a:p>
-            <a:r>
-              <a:rPr lang="en-US" dirty="0"/>
-              <a:t>Performance comparison</a:t>
-            </a:r>
+            <a:endParaRPr lang="en-US" dirty="0"/>
           </a:p>
         </p:txBody>
       </p:sp>
@@ -28038,7 +28520,7 @@
           <a:p>
             <a:r>
               <a:rPr lang="en-US" dirty="0"/>
-              <a:t>Tensor Library</a:t>
+              <a:t>Tensor Library (intended NumPy equivalent)</a:t>
             </a:r>
           </a:p>
           <a:p>
@@ -28065,7 +28547,7 @@
           <a:p>
             <a:r>
               <a:rPr lang="en-US" dirty="0"/>
-              <a:t>Machine Learning Library</a:t>
+              <a:t>Machine Learning Library (translation of my Python library)</a:t>
             </a:r>
           </a:p>
           <a:p>
@@ -28623,12 +29105,58 @@
           </a:prstGeom>
         </p:spPr>
       </p:pic>
+      <p:sp>
+        <p:nvSpPr>
+          <p:cNvPr id="8" name="TextBox 7">
+            <a:extLst>
+              <a:ext uri="{FF2B5EF4-FFF2-40B4-BE49-F238E27FC236}">
+                <a16:creationId xmlns:a16="http://schemas.microsoft.com/office/drawing/2014/main" id="{7CFADDCC-019C-E3F2-F334-9E33ACA2965E}"/>
+              </a:ext>
+            </a:extLst>
+          </p:cNvPr>
+          <p:cNvSpPr txBox="1"/>
+          <p:nvPr/>
+        </p:nvSpPr>
+        <p:spPr>
+          <a:xfrm>
+            <a:off x="1252025" y="4135902"/>
+            <a:ext cx="0" cy="0"/>
+          </a:xfrm>
+          <a:prstGeom prst="rect">
+            <a:avLst/>
+          </a:prstGeom>
+          <a:noFill/>
+          <a:ln w="57150">
+            <a:noFill/>
+            <a:miter lim="800000"/>
+          </a:ln>
+        </p:spPr>
+        <p:txBody>
+          <a:bodyPr wrap="none" lIns="90000" tIns="90000" rIns="90000" bIns="90000" rtlCol="0" anchor="ctr" anchorCtr="0">
+            <a:noAutofit/>
+          </a:bodyPr>
+          <a:lstStyle/>
+          <a:p>
+            <a:pPr marL="0" indent="0" algn="ctr">
+              <a:lnSpc>
+                <a:spcPct val="90000"/>
+              </a:lnSpc>
+              <a:spcBef>
+                <a:spcPts val="400"/>
+              </a:spcBef>
+              <a:buFont typeface="MetricHPE" panose="020B0503030202060203" pitchFamily="34" charset="0"/>
+              <a:buNone/>
+            </a:pPr>
+            <a:endParaRPr lang="en-US" dirty="0" err="1"/>
+          </a:p>
+        </p:txBody>
+      </p:sp>
       <p:pic>
         <p:nvPicPr>
-          <p:cNvPr id="7" name="Picture 6" descr="A logo on a black background&#10;&#10;Description automatically generated">
+          <p:cNvPr id="10" name="Picture 9" descr="A blue and yellow snake logo&#10;&#10;Description automatically generated">
             <a:extLst>
               <a:ext uri="{FF2B5EF4-FFF2-40B4-BE49-F238E27FC236}">
-                <a16:creationId xmlns:a16="http://schemas.microsoft.com/office/drawing/2014/main" id="{822C3DDB-8488-FDE4-FDCC-923BF4DBA0DC}"/>
+                <a16:creationId xmlns:a16="http://schemas.microsoft.com/office/drawing/2014/main" id="{51DF92FC-E3C9-563E-1F5D-BB5D3A3ED821}"/>
               </a:ext>
             </a:extLst>
           </p:cNvPr>
@@ -28651,60 +29179,14 @@
         </p:blipFill>
         <p:spPr>
           <a:xfrm>
-            <a:off x="1995054" y="5603125"/>
-            <a:ext cx="1726045" cy="863023"/>
+            <a:off x="2650834" y="5557086"/>
+            <a:ext cx="984829" cy="1078387"/>
           </a:xfrm>
           <a:prstGeom prst="rect">
             <a:avLst/>
           </a:prstGeom>
         </p:spPr>
       </p:pic>
-      <p:sp>
-        <p:nvSpPr>
-          <p:cNvPr id="8" name="TextBox 7">
-            <a:extLst>
-              <a:ext uri="{FF2B5EF4-FFF2-40B4-BE49-F238E27FC236}">
-                <a16:creationId xmlns:a16="http://schemas.microsoft.com/office/drawing/2014/main" id="{7CFADDCC-019C-E3F2-F334-9E33ACA2965E}"/>
-              </a:ext>
-            </a:extLst>
-          </p:cNvPr>
-          <p:cNvSpPr txBox="1"/>
-          <p:nvPr/>
-        </p:nvSpPr>
-        <p:spPr>
-          <a:xfrm>
-            <a:off x="1252025" y="4135902"/>
-            <a:ext cx="0" cy="0"/>
-          </a:xfrm>
-          <a:prstGeom prst="rect">
-            <a:avLst/>
-          </a:prstGeom>
-          <a:noFill/>
-          <a:ln w="57150">
-            <a:noFill/>
-            <a:miter lim="800000"/>
-          </a:ln>
-        </p:spPr>
-        <p:txBody>
-          <a:bodyPr wrap="none" lIns="90000" tIns="90000" rIns="90000" bIns="90000" rtlCol="0" anchor="ctr" anchorCtr="0">
-            <a:noAutofit/>
-          </a:bodyPr>
-          <a:lstStyle/>
-          <a:p>
-            <a:pPr marL="0" indent="0" algn="ctr">
-              <a:lnSpc>
-                <a:spcPct val="90000"/>
-              </a:lnSpc>
-              <a:spcBef>
-                <a:spcPts val="400"/>
-              </a:spcBef>
-              <a:buFont typeface="MetricHPE" panose="020B0503030202060203" pitchFamily="34" charset="0"/>
-              <a:buNone/>
-            </a:pPr>
-            <a:endParaRPr lang="en-US" dirty="0" err="1"/>
-          </a:p>
-        </p:txBody>
-      </p:sp>
     </p:spTree>
     <p:extLst>
       <p:ext uri="{BB962C8B-B14F-4D97-AF65-F5344CB8AC3E}">
@@ -28739,6 +29221,9 @@
                     <p:cTn id="3" fill="hold">
                       <p:stCondLst>
                         <p:cond delay="indefinite"/>
+                        <p:cond evt="onBegin" delay="0">
+                          <p:tn val="2"/>
+                        </p:cond>
                       </p:stCondLst>
                       <p:childTnLst>
                         <p:par>
@@ -28748,7 +29233,7 @@
                             </p:stCondLst>
                             <p:childTnLst>
                               <p:par>
-                                <p:cTn id="5" presetID="1" presetClass="entr" presetSubtype="0" fill="hold" nodeType="clickEffect">
+                                <p:cTn id="5" presetID="1" presetClass="entr" presetSubtype="0" fill="hold" grpId="0" nodeType="withEffect">
                                   <p:stCondLst>
                                     <p:cond delay="0"/>
                                   </p:stCondLst>
@@ -28756,33 +29241,6 @@
                                     <p:set>
                                       <p:cBhvr>
                                         <p:cTn id="6" dur="1" fill="hold">
-                                          <p:stCondLst>
-                                            <p:cond delay="0"/>
-                                          </p:stCondLst>
-                                        </p:cTn>
-                                        <p:tgtEl>
-                                          <p:spTgt spid="7"/>
-                                        </p:tgtEl>
-                                        <p:attrNameLst>
-                                          <p:attrName>style.visibility</p:attrName>
-                                        </p:attrNameLst>
-                                      </p:cBhvr>
-                                      <p:to>
-                                        <p:strVal val="visible"/>
-                                      </p:to>
-                                    </p:set>
-                                  </p:childTnLst>
-                                </p:cTn>
-                              </p:par>
-                              <p:par>
-                                <p:cTn id="7" presetID="1" presetClass="entr" presetSubtype="0" fill="hold" grpId="0" nodeType="withEffect">
-                                  <p:stCondLst>
-                                    <p:cond delay="0"/>
-                                  </p:stCondLst>
-                                  <p:childTnLst>
-                                    <p:set>
-                                      <p:cBhvr>
-                                        <p:cTn id="8" dur="1" fill="hold">
                                           <p:stCondLst>
                                             <p:cond delay="0"/>
                                           </p:stCondLst>
@@ -28802,14 +29260,14 @@
                                 </p:cTn>
                               </p:par>
                               <p:par>
-                                <p:cTn id="9" presetID="1" presetClass="entr" presetSubtype="0" fill="hold" nodeType="withEffect">
+                                <p:cTn id="7" presetID="1" presetClass="entr" presetSubtype="0" fill="hold" nodeType="withEffect">
                                   <p:stCondLst>
                                     <p:cond delay="0"/>
                                   </p:stCondLst>
                                   <p:childTnLst>
                                     <p:set>
                                       <p:cBhvr>
-                                        <p:cTn id="10" dur="1" fill="hold">
+                                        <p:cTn id="8" dur="1" fill="hold">
                                           <p:stCondLst>
                                             <p:cond delay="0"/>
                                           </p:stCondLst>
@@ -28829,7 +29287,34 @@
                                 </p:cTn>
                               </p:par>
                               <p:par>
-                                <p:cTn id="11" presetID="1" presetClass="entr" presetSubtype="0" fill="hold" grpId="0" nodeType="withEffect">
+                                <p:cTn id="9" presetID="1" presetClass="entr" presetSubtype="0" fill="hold" grpId="0" nodeType="withEffect">
+                                  <p:stCondLst>
+                                    <p:cond delay="0"/>
+                                  </p:stCondLst>
+                                  <p:childTnLst>
+                                    <p:set>
+                                      <p:cBhvr>
+                                        <p:cTn id="10" dur="1" fill="hold">
+                                          <p:stCondLst>
+                                            <p:cond delay="0"/>
+                                          </p:stCondLst>
+                                        </p:cTn>
+                                        <p:tgtEl>
+                                          <p:spTgt spid="3"/>
+                                        </p:tgtEl>
+                                        <p:attrNameLst>
+                                          <p:attrName>style.visibility</p:attrName>
+                                        </p:attrNameLst>
+                                      </p:cBhvr>
+                                      <p:to>
+                                        <p:strVal val="visible"/>
+                                      </p:to>
+                                    </p:set>
+                                  </p:childTnLst>
+                                </p:cTn>
+                              </p:par>
+                              <p:par>
+                                <p:cTn id="11" presetID="1" presetClass="entr" presetSubtype="0" fill="hold" nodeType="withEffect">
                                   <p:stCondLst>
                                     <p:cond delay="0"/>
                                   </p:stCondLst>
@@ -28842,7 +29327,7 @@
                                           </p:stCondLst>
                                         </p:cTn>
                                         <p:tgtEl>
-                                          <p:spTgt spid="3"/>
+                                          <p:spTgt spid="10"/>
                                         </p:tgtEl>
                                         <p:attrNameLst>
                                           <p:attrName>style.visibility</p:attrName>
@@ -28891,6 +29376,408 @@
 </file>
 
 <file path=ppt/slides/slide6.xml><?xml version="1.0" encoding="utf-8"?>
+<p:sld xmlns:a="http://schemas.openxmlformats.org/drawingml/2006/main" xmlns:r="http://schemas.openxmlformats.org/officeDocument/2006/relationships" xmlns:p="http://schemas.openxmlformats.org/presentationml/2006/main">
+  <p:cSld>
+    <p:spTree>
+      <p:nvGrpSpPr>
+        <p:cNvPr id="1" name=""/>
+        <p:cNvGrpSpPr/>
+        <p:nvPr/>
+      </p:nvGrpSpPr>
+      <p:grpSpPr>
+        <a:xfrm>
+          <a:off x="0" y="0"/>
+          <a:ext cx="0" cy="0"/>
+          <a:chOff x="0" y="0"/>
+          <a:chExt cx="0" cy="0"/>
+        </a:xfrm>
+      </p:grpSpPr>
+      <p:sp>
+        <p:nvSpPr>
+          <p:cNvPr id="21" name="Title 20">
+            <a:extLst>
+              <a:ext uri="{FF2B5EF4-FFF2-40B4-BE49-F238E27FC236}">
+                <a16:creationId xmlns:a16="http://schemas.microsoft.com/office/drawing/2014/main" id="{E22BF8A7-E37A-4DA3-B869-04D647B704C3}"/>
+              </a:ext>
+            </a:extLst>
+          </p:cNvPr>
+          <p:cNvSpPr>
+            <a:spLocks noGrp="1"/>
+          </p:cNvSpPr>
+          <p:nvPr>
+            <p:ph type="title"/>
+          </p:nvPr>
+        </p:nvSpPr>
+        <p:spPr/>
+        <p:txBody>
+          <a:bodyPr/>
+          <a:lstStyle/>
+          <a:p>
+            <a:r>
+              <a:rPr lang="en-US" dirty="0"/>
+              <a:t>Performance Comparisons</a:t>
+            </a:r>
+          </a:p>
+        </p:txBody>
+      </p:sp>
+      <p:pic>
+        <p:nvPicPr>
+          <p:cNvPr id="3" name="Picture 2">
+            <a:extLst>
+              <a:ext uri="{FF2B5EF4-FFF2-40B4-BE49-F238E27FC236}">
+                <a16:creationId xmlns:a16="http://schemas.microsoft.com/office/drawing/2014/main" id="{0D9944C5-838F-2CA9-3677-9FD71A35D3C8}"/>
+              </a:ext>
+            </a:extLst>
+          </p:cNvPr>
+          <p:cNvPicPr>
+            <a:picLocks noChangeAspect="1"/>
+          </p:cNvPicPr>
+          <p:nvPr/>
+        </p:nvPicPr>
+        <p:blipFill>
+          <a:blip r:embed="rId3">
+            <a:extLst>
+              <a:ext uri="{28A0092B-C50C-407E-A947-70E740481C1C}">
+                <a14:useLocalDpi xmlns:a14="http://schemas.microsoft.com/office/drawing/2010/main" val="0"/>
+              </a:ext>
+            </a:extLst>
+          </a:blip>
+          <a:stretch>
+            <a:fillRect/>
+          </a:stretch>
+        </p:blipFill>
+        <p:spPr>
+          <a:xfrm>
+            <a:off x="886266" y="1482874"/>
+            <a:ext cx="1448972" cy="1586625"/>
+          </a:xfrm>
+          <a:prstGeom prst="rect">
+            <a:avLst/>
+          </a:prstGeom>
+        </p:spPr>
+      </p:pic>
+      <p:pic>
+        <p:nvPicPr>
+          <p:cNvPr id="5" name="Picture 4" descr="A blue and black logo&#10;&#10;Description automatically generated">
+            <a:extLst>
+              <a:ext uri="{FF2B5EF4-FFF2-40B4-BE49-F238E27FC236}">
+                <a16:creationId xmlns:a16="http://schemas.microsoft.com/office/drawing/2014/main" id="{0949C5CA-9A3A-08F6-FACD-B0F3E4F638F2}"/>
+              </a:ext>
+            </a:extLst>
+          </p:cNvPr>
+          <p:cNvPicPr>
+            <a:picLocks noChangeAspect="1"/>
+          </p:cNvPicPr>
+          <p:nvPr/>
+        </p:nvPicPr>
+        <p:blipFill>
+          <a:blip r:embed="rId4">
+            <a:extLst>
+              <a:ext uri="{28A0092B-C50C-407E-A947-70E740481C1C}">
+                <a14:useLocalDpi xmlns:a14="http://schemas.microsoft.com/office/drawing/2010/main" val="0"/>
+              </a:ext>
+            </a:extLst>
+          </a:blip>
+          <a:stretch>
+            <a:fillRect/>
+          </a:stretch>
+        </p:blipFill>
+        <p:spPr>
+          <a:xfrm>
+            <a:off x="2407484" y="1482874"/>
+            <a:ext cx="2633003" cy="1184851"/>
+          </a:xfrm>
+          <a:prstGeom prst="rect">
+            <a:avLst/>
+          </a:prstGeom>
+        </p:spPr>
+      </p:pic>
+      <p:pic>
+        <p:nvPicPr>
+          <p:cNvPr id="6" name="Picture 5" descr="A logo with blue and green lines&#10;&#10;Description automatically generated">
+            <a:extLst>
+              <a:ext uri="{FF2B5EF4-FFF2-40B4-BE49-F238E27FC236}">
+                <a16:creationId xmlns:a16="http://schemas.microsoft.com/office/drawing/2014/main" id="{4D5D09D0-AF9D-622A-BDEA-07D2B6C5C99A}"/>
+              </a:ext>
+            </a:extLst>
+          </p:cNvPr>
+          <p:cNvPicPr>
+            <a:picLocks noChangeAspect="1"/>
+          </p:cNvPicPr>
+          <p:nvPr/>
+        </p:nvPicPr>
+        <p:blipFill>
+          <a:blip r:embed="rId5">
+            <a:extLst>
+              <a:ext uri="{28A0092B-C50C-407E-A947-70E740481C1C}">
+                <a14:useLocalDpi xmlns:a14="http://schemas.microsoft.com/office/drawing/2010/main" val="0"/>
+              </a:ext>
+            </a:extLst>
+          </a:blip>
+          <a:stretch>
+            <a:fillRect/>
+          </a:stretch>
+        </p:blipFill>
+        <p:spPr>
+          <a:xfrm>
+            <a:off x="7773872" y="1209155"/>
+            <a:ext cx="2636973" cy="1732288"/>
+          </a:xfrm>
+          <a:prstGeom prst="rect">
+            <a:avLst/>
+          </a:prstGeom>
+        </p:spPr>
+      </p:pic>
+      <p:sp>
+        <p:nvSpPr>
+          <p:cNvPr id="7" name="TextBox 6">
+            <a:extLst>
+              <a:ext uri="{FF2B5EF4-FFF2-40B4-BE49-F238E27FC236}">
+                <a16:creationId xmlns:a16="http://schemas.microsoft.com/office/drawing/2014/main" id="{9A7289A2-A2F9-C288-17CC-A721D019987F}"/>
+              </a:ext>
+            </a:extLst>
+          </p:cNvPr>
+          <p:cNvSpPr txBox="1"/>
+          <p:nvPr/>
+        </p:nvSpPr>
+        <p:spPr>
+          <a:xfrm>
+            <a:off x="633044" y="3233987"/>
+            <a:ext cx="5838094" cy="1184850"/>
+          </a:xfrm>
+          <a:prstGeom prst="rect">
+            <a:avLst/>
+          </a:prstGeom>
+          <a:noFill/>
+          <a:ln w="57150">
+            <a:noFill/>
+            <a:miter lim="800000"/>
+          </a:ln>
+        </p:spPr>
+        <p:txBody>
+          <a:bodyPr wrap="none" lIns="90000" tIns="90000" rIns="90000" bIns="90000" rtlCol="0" anchor="ctr" anchorCtr="0">
+            <a:noAutofit/>
+          </a:bodyPr>
+          <a:lstStyle/>
+          <a:p>
+            <a:pPr marL="0" indent="0" algn="ctr">
+              <a:lnSpc>
+                <a:spcPct val="90000"/>
+              </a:lnSpc>
+              <a:spcBef>
+                <a:spcPts val="400"/>
+              </a:spcBef>
+              <a:buFont typeface="MetricHPE" panose="020B0503030202060203" pitchFamily="34" charset="0"/>
+              <a:buNone/>
+            </a:pPr>
+            <a:r>
+              <a:rPr lang="en-US" dirty="0"/>
+              <a:t>Classifier implementation via Python </a:t>
+            </a:r>
+          </a:p>
+          <a:p>
+            <a:pPr marL="0" indent="0" algn="ctr">
+              <a:lnSpc>
+                <a:spcPct val="90000"/>
+              </a:lnSpc>
+              <a:spcBef>
+                <a:spcPts val="400"/>
+              </a:spcBef>
+              <a:buFont typeface="MetricHPE" panose="020B0503030202060203" pitchFamily="34" charset="0"/>
+              <a:buNone/>
+            </a:pPr>
+            <a:r>
+              <a:rPr lang="en-US" dirty="0"/>
+              <a:t>and NumPy (using C backend)</a:t>
+            </a:r>
+          </a:p>
+        </p:txBody>
+      </p:sp>
+      <p:sp>
+        <p:nvSpPr>
+          <p:cNvPr id="8" name="TextBox 7">
+            <a:extLst>
+              <a:ext uri="{FF2B5EF4-FFF2-40B4-BE49-F238E27FC236}">
+                <a16:creationId xmlns:a16="http://schemas.microsoft.com/office/drawing/2014/main" id="{9E494B3A-D69E-9156-FADF-1319C04FAB7D}"/>
+              </a:ext>
+            </a:extLst>
+          </p:cNvPr>
+          <p:cNvSpPr txBox="1"/>
+          <p:nvPr/>
+        </p:nvSpPr>
+        <p:spPr>
+          <a:xfrm>
+            <a:off x="6841527" y="3369212"/>
+            <a:ext cx="4501661" cy="914400"/>
+          </a:xfrm>
+          <a:prstGeom prst="rect">
+            <a:avLst/>
+          </a:prstGeom>
+          <a:noFill/>
+          <a:ln w="57150">
+            <a:noFill/>
+            <a:miter lim="800000"/>
+          </a:ln>
+        </p:spPr>
+        <p:txBody>
+          <a:bodyPr wrap="none" lIns="90000" tIns="90000" rIns="90000" bIns="90000" rtlCol="0" anchor="ctr" anchorCtr="0">
+            <a:noAutofit/>
+          </a:bodyPr>
+          <a:lstStyle/>
+          <a:p>
+            <a:pPr algn="ctr">
+              <a:lnSpc>
+                <a:spcPct val="90000"/>
+              </a:lnSpc>
+              <a:spcBef>
+                <a:spcPts val="400"/>
+              </a:spcBef>
+            </a:pPr>
+            <a:r>
+              <a:rPr lang="en-US" dirty="0"/>
+              <a:t>Classifier implementation using Chapel ML library</a:t>
+            </a:r>
+          </a:p>
+        </p:txBody>
+      </p:sp>
+      <p:sp>
+        <p:nvSpPr>
+          <p:cNvPr id="10" name="TextBox 9">
+            <a:extLst>
+              <a:ext uri="{FF2B5EF4-FFF2-40B4-BE49-F238E27FC236}">
+                <a16:creationId xmlns:a16="http://schemas.microsoft.com/office/drawing/2014/main" id="{F6A6C06C-5C5A-27B0-8110-7B55C4436BAF}"/>
+              </a:ext>
+            </a:extLst>
+          </p:cNvPr>
+          <p:cNvSpPr txBox="1"/>
+          <p:nvPr/>
+        </p:nvSpPr>
+        <p:spPr>
+          <a:xfrm>
+            <a:off x="738552" y="4299261"/>
+            <a:ext cx="4895557" cy="914400"/>
+          </a:xfrm>
+          <a:prstGeom prst="rect">
+            <a:avLst/>
+          </a:prstGeom>
+          <a:noFill/>
+          <a:ln w="57150">
+            <a:noFill/>
+            <a:miter lim="800000"/>
+          </a:ln>
+        </p:spPr>
+        <p:txBody>
+          <a:bodyPr wrap="none" lIns="90000" tIns="90000" rIns="90000" bIns="90000" rtlCol="0" anchor="ctr" anchorCtr="0">
+            <a:noAutofit/>
+          </a:bodyPr>
+          <a:lstStyle/>
+          <a:p>
+            <a:pPr marL="0" indent="0" algn="ctr">
+              <a:lnSpc>
+                <a:spcPct val="90000"/>
+              </a:lnSpc>
+              <a:spcBef>
+                <a:spcPts val="400"/>
+              </a:spcBef>
+              <a:buFont typeface="MetricHPE" panose="020B0503030202060203" pitchFamily="34" charset="0"/>
+              <a:buNone/>
+            </a:pPr>
+            <a:r>
+              <a:rPr lang="en-US" dirty="0" err="1"/>
+              <a:t>github.com</a:t>
+            </a:r>
+            <a:r>
+              <a:rPr lang="en-US" dirty="0"/>
+              <a:t>/</a:t>
+            </a:r>
+            <a:r>
+              <a:rPr lang="en-US" dirty="0" err="1"/>
+              <a:t>Iainmon</a:t>
+            </a:r>
+            <a:r>
+              <a:rPr lang="en-US" dirty="0"/>
+              <a:t>/ml-chapel-summer-23/python</a:t>
+            </a:r>
+          </a:p>
+        </p:txBody>
+      </p:sp>
+      <p:sp>
+        <p:nvSpPr>
+          <p:cNvPr id="12" name="TextBox 11">
+            <a:extLst>
+              <a:ext uri="{FF2B5EF4-FFF2-40B4-BE49-F238E27FC236}">
+                <a16:creationId xmlns:a16="http://schemas.microsoft.com/office/drawing/2014/main" id="{5F5298DA-6F23-A078-E33F-4373946A53D1}"/>
+              </a:ext>
+            </a:extLst>
+          </p:cNvPr>
+          <p:cNvSpPr txBox="1"/>
+          <p:nvPr/>
+        </p:nvSpPr>
+        <p:spPr>
+          <a:xfrm>
+            <a:off x="6557893" y="4571795"/>
+            <a:ext cx="6098344" cy="369332"/>
+          </a:xfrm>
+          <a:prstGeom prst="rect">
+            <a:avLst/>
+          </a:prstGeom>
+          <a:noFill/>
+          <a:ln w="57150">
+            <a:noFill/>
+            <a:miter lim="800000"/>
+          </a:ln>
+        </p:spPr>
+        <p:txBody>
+          <a:bodyPr wrap="square">
+            <a:spAutoFit/>
+          </a:bodyPr>
+          <a:lstStyle/>
+          <a:p>
+            <a:r>
+              <a:rPr lang="en-US" dirty="0" err="1"/>
+              <a:t>github.com</a:t>
+            </a:r>
+            <a:r>
+              <a:rPr lang="en-US" dirty="0"/>
+              <a:t>/</a:t>
+            </a:r>
+            <a:r>
+              <a:rPr lang="en-US" dirty="0" err="1"/>
+              <a:t>Iainmon</a:t>
+            </a:r>
+            <a:r>
+              <a:rPr lang="en-US" dirty="0"/>
+              <a:t>/ml-chapel-summer-23/chapel</a:t>
+            </a:r>
+          </a:p>
+        </p:txBody>
+      </p:sp>
+    </p:spTree>
+    <p:extLst>
+      <p:ext uri="{BB962C8B-B14F-4D97-AF65-F5344CB8AC3E}">
+        <p14:creationId xmlns:p14="http://schemas.microsoft.com/office/powerpoint/2010/main" val="2479120160"/>
+      </p:ext>
+    </p:extLst>
+  </p:cSld>
+  <p:clrMapOvr>
+    <a:masterClrMapping/>
+  </p:clrMapOvr>
+  <mc:AlternateContent xmlns:mc="http://schemas.openxmlformats.org/markup-compatibility/2006" xmlns:p14="http://schemas.microsoft.com/office/powerpoint/2010/main">
+    <mc:Choice Requires="p14">
+      <p:transition spd="med" p14:dur="700">
+        <p:fade/>
+      </p:transition>
+    </mc:Choice>
+    <mc:Fallback xmlns="">
+      <p:transition spd="med">
+        <p:fade/>
+      </p:transition>
+    </mc:Fallback>
+  </mc:AlternateContent>
+</p:sld>
+</file>
+
+<file path=ppt/slides/slide7.xml><?xml version="1.0" encoding="utf-8"?>
 <p:sld xmlns:a="http://schemas.openxmlformats.org/drawingml/2006/main" xmlns:r="http://schemas.openxmlformats.org/officeDocument/2006/relationships" xmlns:p="http://schemas.openxmlformats.org/presentationml/2006/main">
   <p:cSld>
     <p:spTree>
@@ -29136,7 +30023,7 @@
 </p:sld>
 </file>
 
-<file path=ppt/slides/slide7.xml><?xml version="1.0" encoding="utf-8"?>
+<file path=ppt/slides/slide8.xml><?xml version="1.0" encoding="utf-8"?>
 <p:sld xmlns:a="http://schemas.openxmlformats.org/drawingml/2006/main" xmlns:r="http://schemas.openxmlformats.org/officeDocument/2006/relationships" xmlns:p="http://schemas.openxmlformats.org/presentationml/2006/main">
   <p:cSld>
     <p:spTree>
@@ -29217,7 +30104,7 @@
                   <a:blip r:embed="rId2"/>
                 </a:buBlip>
               </a:pPr>
-              <a:t>7</a:t>
+              <a:t>8</a:t>
             </a:fld>
             <a:endParaRPr lang="en-US" dirty="0"/>
           </a:p>
@@ -29601,14 +30488,41 @@
                             </p:stCondLst>
                             <p:childTnLst>
                               <p:par>
-                                <p:cTn id="9" presetID="10" presetClass="exit" presetSubtype="0" fill="hold" grpId="1" nodeType="clickEffect">
+                                <p:cTn id="9" presetID="1" presetClass="entr" presetSubtype="0" fill="hold" grpId="1" nodeType="clickEffect">
                                   <p:stCondLst>
                                     <p:cond delay="0"/>
                                   </p:stCondLst>
                                   <p:childTnLst>
-                                    <p:animEffect transition="out" filter="fade">
+                                    <p:set>
                                       <p:cBhvr>
-                                        <p:cTn id="10" dur="500"/>
+                                        <p:cTn id="10" dur="1" fill="hold">
+                                          <p:stCondLst>
+                                            <p:cond delay="0"/>
+                                          </p:stCondLst>
+                                        </p:cTn>
+                                        <p:tgtEl>
+                                          <p:spTgt spid="10"/>
+                                        </p:tgtEl>
+                                        <p:attrNameLst>
+                                          <p:attrName>style.visibility</p:attrName>
+                                        </p:attrNameLst>
+                                      </p:cBhvr>
+                                      <p:to>
+                                        <p:strVal val="visible"/>
+                                      </p:to>
+                                    </p:set>
+                                  </p:childTnLst>
+                                </p:cTn>
+                              </p:par>
+                              <p:par>
+                                <p:cTn id="11" presetID="9" presetClass="exit" presetSubtype="0" fill="hold" grpId="1" nodeType="withEffect">
+                                  <p:stCondLst>
+                                    <p:cond delay="0"/>
+                                  </p:stCondLst>
+                                  <p:childTnLst>
+                                    <p:animEffect transition="out" filter="dissolve">
+                                      <p:cBhvr>
+                                        <p:cTn id="12" dur="10"/>
                                         <p:tgtEl>
                                           <p:spTgt spid="9"/>
                                         </p:tgtEl>
@@ -29616,9 +30530,9 @@
                                     </p:animEffect>
                                     <p:set>
                                       <p:cBhvr>
-                                        <p:cTn id="11" dur="1" fill="hold">
+                                        <p:cTn id="13" dur="1" fill="hold">
                                           <p:stCondLst>
-                                            <p:cond delay="499"/>
+                                            <p:cond delay="9"/>
                                           </p:stCondLst>
                                         </p:cTn>
                                         <p:tgtEl>
@@ -29642,32 +30556,32 @@
                     </p:cTn>
                   </p:par>
                   <p:par>
-                    <p:cTn id="12" fill="hold">
+                    <p:cTn id="14" fill="hold">
                       <p:stCondLst>
                         <p:cond delay="indefinite"/>
                       </p:stCondLst>
                       <p:childTnLst>
                         <p:par>
-                          <p:cTn id="13" fill="hold">
+                          <p:cTn id="15" fill="hold">
                             <p:stCondLst>
                               <p:cond delay="0"/>
                             </p:stCondLst>
                             <p:childTnLst>
                               <p:par>
-                                <p:cTn id="14" presetID="1" presetClass="entr" presetSubtype="0" fill="hold" grpId="1" nodeType="clickEffect">
+                                <p:cTn id="16" presetID="1" presetClass="entr" presetSubtype="0" fill="hold" grpId="1" nodeType="clickEffect">
                                   <p:stCondLst>
                                     <p:cond delay="0"/>
                                   </p:stCondLst>
                                   <p:childTnLst>
                                     <p:set>
                                       <p:cBhvr>
-                                        <p:cTn id="15" dur="1" fill="hold">
+                                        <p:cTn id="17" dur="1" fill="hold">
                                           <p:stCondLst>
                                             <p:cond delay="0"/>
                                           </p:stCondLst>
                                         </p:cTn>
                                         <p:tgtEl>
-                                          <p:spTgt spid="10"/>
+                                          <p:spTgt spid="11"/>
                                         </p:tgtEl>
                                         <p:attrNameLst>
                                           <p:attrName>style.visibility</p:attrName>
@@ -29680,33 +30594,15 @@
                                   </p:childTnLst>
                                 </p:cTn>
                               </p:par>
-                            </p:childTnLst>
-                          </p:cTn>
-                        </p:par>
-                      </p:childTnLst>
-                    </p:cTn>
-                  </p:par>
-                  <p:par>
-                    <p:cTn id="16" fill="hold">
-                      <p:stCondLst>
-                        <p:cond delay="indefinite"/>
-                      </p:stCondLst>
-                      <p:childTnLst>
-                        <p:par>
-                          <p:cTn id="17" fill="hold">
-                            <p:stCondLst>
-                              <p:cond delay="0"/>
-                            </p:stCondLst>
-                            <p:childTnLst>
                               <p:par>
-                                <p:cTn id="18" presetID="10" presetClass="exit" presetSubtype="0" fill="hold" grpId="0" nodeType="clickEffect">
+                                <p:cTn id="18" presetID="9" presetClass="exit" presetSubtype="0" fill="hold" grpId="2" nodeType="withEffect">
                                   <p:stCondLst>
                                     <p:cond delay="0"/>
                                   </p:stCondLst>
                                   <p:childTnLst>
-                                    <p:animEffect transition="out" filter="fade">
+                                    <p:animEffect transition="out" filter="dissolve">
                                       <p:cBhvr>
-                                        <p:cTn id="19" dur="500"/>
+                                        <p:cTn id="19" dur="10"/>
                                         <p:tgtEl>
                                           <p:spTgt spid="10"/>
                                         </p:tgtEl>
@@ -29716,7 +30612,7 @@
                                       <p:cBhvr>
                                         <p:cTn id="20" dur="1" fill="hold">
                                           <p:stCondLst>
-                                            <p:cond delay="499"/>
+                                            <p:cond delay="9"/>
                                           </p:stCondLst>
                                         </p:cTn>
                                         <p:tgtEl>
@@ -29752,7 +30648,7 @@
                             </p:stCondLst>
                             <p:childTnLst>
                               <p:par>
-                                <p:cTn id="23" presetID="1" presetClass="entr" presetSubtype="0" fill="hold" grpId="1" nodeType="clickEffect">
+                                <p:cTn id="23" presetID="1" presetClass="entr" presetSubtype="0" fill="hold" grpId="0" nodeType="clickEffect">
                                   <p:stCondLst>
                                     <p:cond delay="0"/>
                                   </p:stCondLst>
@@ -29765,7 +30661,7 @@
                                           </p:stCondLst>
                                         </p:cTn>
                                         <p:tgtEl>
-                                          <p:spTgt spid="11"/>
+                                          <p:spTgt spid="12"/>
                                         </p:tgtEl>
                                         <p:attrNameLst>
                                           <p:attrName>style.visibility</p:attrName>
@@ -29778,33 +30674,15 @@
                                   </p:childTnLst>
                                 </p:cTn>
                               </p:par>
-                            </p:childTnLst>
-                          </p:cTn>
-                        </p:par>
-                      </p:childTnLst>
-                    </p:cTn>
-                  </p:par>
-                  <p:par>
-                    <p:cTn id="25" fill="hold">
-                      <p:stCondLst>
-                        <p:cond delay="indefinite"/>
-                      </p:stCondLst>
-                      <p:childTnLst>
-                        <p:par>
-                          <p:cTn id="26" fill="hold">
-                            <p:stCondLst>
-                              <p:cond delay="0"/>
-                            </p:stCondLst>
-                            <p:childTnLst>
                               <p:par>
-                                <p:cTn id="27" presetID="10" presetClass="exit" presetSubtype="0" fill="hold" grpId="0" nodeType="clickEffect">
+                                <p:cTn id="25" presetID="9" presetClass="exit" presetSubtype="0" fill="hold" grpId="2" nodeType="withEffect">
                                   <p:stCondLst>
                                     <p:cond delay="0"/>
                                   </p:stCondLst>
                                   <p:childTnLst>
-                                    <p:animEffect transition="out" filter="fade">
+                                    <p:animEffect transition="out" filter="dissolve">
                                       <p:cBhvr>
-                                        <p:cTn id="28" dur="500"/>
+                                        <p:cTn id="26" dur="10"/>
                                         <p:tgtEl>
                                           <p:spTgt spid="11"/>
                                         </p:tgtEl>
@@ -29812,9 +30690,9 @@
                                     </p:animEffect>
                                     <p:set>
                                       <p:cBhvr>
-                                        <p:cTn id="29" dur="1" fill="hold">
+                                        <p:cTn id="27" dur="1" fill="hold">
                                           <p:stCondLst>
-                                            <p:cond delay="499"/>
+                                            <p:cond delay="9"/>
                                           </p:stCondLst>
                                         </p:cTn>
                                         <p:tgtEl>
@@ -29838,71 +30716,26 @@
                     </p:cTn>
                   </p:par>
                   <p:par>
-                    <p:cTn id="30" fill="hold">
+                    <p:cTn id="28" fill="hold">
                       <p:stCondLst>
                         <p:cond delay="indefinite"/>
                       </p:stCondLst>
                       <p:childTnLst>
                         <p:par>
-                          <p:cTn id="31" fill="hold">
+                          <p:cTn id="29" fill="hold">
                             <p:stCondLst>
                               <p:cond delay="0"/>
                             </p:stCondLst>
                             <p:childTnLst>
                               <p:par>
-                                <p:cTn id="32" presetID="1" presetClass="entr" presetSubtype="0" fill="hold" grpId="0" nodeType="clickEffect">
+                                <p:cTn id="30" presetID="9" presetClass="exit" presetSubtype="0" fill="hold" grpId="1" nodeType="clickEffect">
                                   <p:stCondLst>
                                     <p:cond delay="0"/>
                                   </p:stCondLst>
                                   <p:childTnLst>
-                                    <p:set>
+                                    <p:animEffect transition="out" filter="dissolve">
                                       <p:cBhvr>
-                                        <p:cTn id="33" dur="1" fill="hold">
-                                          <p:stCondLst>
-                                            <p:cond delay="0"/>
-                                          </p:stCondLst>
-                                        </p:cTn>
-                                        <p:tgtEl>
-                                          <p:spTgt spid="12"/>
-                                        </p:tgtEl>
-                                        <p:attrNameLst>
-                                          <p:attrName>style.visibility</p:attrName>
-                                        </p:attrNameLst>
-                                      </p:cBhvr>
-                                      <p:to>
-                                        <p:strVal val="visible"/>
-                                      </p:to>
-                                    </p:set>
-                                  </p:childTnLst>
-                                </p:cTn>
-                              </p:par>
-                            </p:childTnLst>
-                          </p:cTn>
-                        </p:par>
-                      </p:childTnLst>
-                    </p:cTn>
-                  </p:par>
-                  <p:par>
-                    <p:cTn id="34" fill="hold">
-                      <p:stCondLst>
-                        <p:cond delay="indefinite"/>
-                      </p:stCondLst>
-                      <p:childTnLst>
-                        <p:par>
-                          <p:cTn id="35" fill="hold">
-                            <p:stCondLst>
-                              <p:cond delay="0"/>
-                            </p:stCondLst>
-                            <p:childTnLst>
-                              <p:par>
-                                <p:cTn id="36" presetID="10" presetClass="exit" presetSubtype="0" fill="hold" grpId="1" nodeType="clickEffect">
-                                  <p:stCondLst>
-                                    <p:cond delay="0"/>
-                                  </p:stCondLst>
-                                  <p:childTnLst>
-                                    <p:animEffect transition="out" filter="fade">
-                                      <p:cBhvr>
-                                        <p:cTn id="37" dur="500"/>
+                                        <p:cTn id="31" dur="10"/>
                                         <p:tgtEl>
                                           <p:spTgt spid="12"/>
                                         </p:tgtEl>
@@ -29910,9 +30743,9 @@
                                     </p:animEffect>
                                     <p:set>
                                       <p:cBhvr>
-                                        <p:cTn id="38" dur="1" fill="hold">
+                                        <p:cTn id="32" dur="1" fill="hold">
                                           <p:stCondLst>
-                                            <p:cond delay="499"/>
+                                            <p:cond delay="9"/>
                                           </p:stCondLst>
                                         </p:cTn>
                                         <p:tgtEl>
@@ -29959,369 +30792,14 @@
     <p:bldLst>
       <p:bldP spid="9" grpId="0" animBg="1"/>
       <p:bldP spid="9" grpId="1" animBg="1"/>
-      <p:bldP spid="10" grpId="0" animBg="1"/>
       <p:bldP spid="10" grpId="1" animBg="1"/>
-      <p:bldP spid="11" grpId="0" animBg="1"/>
+      <p:bldP spid="10" grpId="2" animBg="1"/>
       <p:bldP spid="11" grpId="1" animBg="1"/>
+      <p:bldP spid="11" grpId="2" animBg="1"/>
       <p:bldP spid="12" grpId="0" animBg="1"/>
       <p:bldP spid="12" grpId="1" animBg="1"/>
     </p:bldLst>
   </p:timing>
-</p:sld>
-</file>
-
-<file path=ppt/slides/slide8.xml><?xml version="1.0" encoding="utf-8"?>
-<p:sld xmlns:a="http://schemas.openxmlformats.org/drawingml/2006/main" xmlns:r="http://schemas.openxmlformats.org/officeDocument/2006/relationships" xmlns:p="http://schemas.openxmlformats.org/presentationml/2006/main">
-  <p:cSld>
-    <p:spTree>
-      <p:nvGrpSpPr>
-        <p:cNvPr id="1" name=""/>
-        <p:cNvGrpSpPr/>
-        <p:nvPr/>
-      </p:nvGrpSpPr>
-      <p:grpSpPr>
-        <a:xfrm>
-          <a:off x="0" y="0"/>
-          <a:ext cx="0" cy="0"/>
-          <a:chOff x="0" y="0"/>
-          <a:chExt cx="0" cy="0"/>
-        </a:xfrm>
-      </p:grpSpPr>
-      <p:pic>
-        <p:nvPicPr>
-          <p:cNvPr id="3" name="Content Placeholder 2">
-            <a:extLst>
-              <a:ext uri="{FF2B5EF4-FFF2-40B4-BE49-F238E27FC236}">
-                <a16:creationId xmlns:a16="http://schemas.microsoft.com/office/drawing/2014/main" id="{1CE18448-2D47-CACD-7EBF-5E2A512A264A}"/>
-              </a:ext>
-            </a:extLst>
-          </p:cNvPr>
-          <p:cNvPicPr>
-            <a:picLocks noGrp="1" noChangeAspect="1"/>
-          </p:cNvPicPr>
-          <p:nvPr>
-            <p:ph idx="1"/>
-          </p:nvPr>
-        </p:nvPicPr>
-        <p:blipFill rotWithShape="1">
-          <a:blip r:embed="rId2">
-            <a:extLst>
-              <a:ext uri="{28A0092B-C50C-407E-A947-70E740481C1C}">
-                <a14:useLocalDpi xmlns:a14="http://schemas.microsoft.com/office/drawing/2010/main" val="0"/>
-              </a:ext>
-              <a:ext uri="{96DAC541-7B7A-43D3-8B79-37D633B846F1}">
-                <asvg:svgBlip xmlns:asvg="http://schemas.microsoft.com/office/drawing/2016/SVG/main" r:embed="rId3"/>
-              </a:ext>
-            </a:extLst>
-          </a:blip>
-          <a:srcRect l="32465" t="18812" r="12081" b="14735"/>
-          <a:stretch/>
-        </p:blipFill>
-        <p:spPr>
-          <a:xfrm>
-            <a:off x="6914524" y="3078712"/>
-            <a:ext cx="5143500" cy="3387436"/>
-          </a:xfrm>
-        </p:spPr>
-      </p:pic>
-      <p:sp>
-        <p:nvSpPr>
-          <p:cNvPr id="21" name="Title 20">
-            <a:extLst>
-              <a:ext uri="{FF2B5EF4-FFF2-40B4-BE49-F238E27FC236}">
-                <a16:creationId xmlns:a16="http://schemas.microsoft.com/office/drawing/2014/main" id="{E22BF8A7-E37A-4DA3-B869-04D647B704C3}"/>
-              </a:ext>
-            </a:extLst>
-          </p:cNvPr>
-          <p:cNvSpPr>
-            <a:spLocks noGrp="1"/>
-          </p:cNvSpPr>
-          <p:nvPr>
-            <p:ph type="title"/>
-          </p:nvPr>
-        </p:nvSpPr>
-        <p:spPr/>
-        <p:txBody>
-          <a:bodyPr/>
-          <a:lstStyle/>
-          <a:p>
-            <a:r>
-              <a:rPr lang="en-US" dirty="0"/>
-              <a:t>Speed Comparison (MNIST Classification)</a:t>
-            </a:r>
-          </a:p>
-        </p:txBody>
-      </p:sp>
-      <p:grpSp>
-        <p:nvGrpSpPr>
-          <p:cNvPr id="9" name="Group 8">
-            <a:extLst>
-              <a:ext uri="{FF2B5EF4-FFF2-40B4-BE49-F238E27FC236}">
-                <a16:creationId xmlns:a16="http://schemas.microsoft.com/office/drawing/2014/main" id="{2C6F66A9-D9A7-5858-2777-60A4180E344C}"/>
-              </a:ext>
-            </a:extLst>
-          </p:cNvPr>
-          <p:cNvGrpSpPr/>
-          <p:nvPr/>
-        </p:nvGrpSpPr>
-        <p:grpSpPr>
-          <a:xfrm>
-            <a:off x="8466413" y="656689"/>
-            <a:ext cx="2968270" cy="1835686"/>
-            <a:chOff x="3629207" y="823412"/>
-            <a:chExt cx="2968270" cy="1835686"/>
-          </a:xfrm>
-        </p:grpSpPr>
-        <p:grpSp>
-          <p:nvGrpSpPr>
-            <p:cNvPr id="7" name="Group 6">
-              <a:extLst>
-                <a:ext uri="{FF2B5EF4-FFF2-40B4-BE49-F238E27FC236}">
-                  <a16:creationId xmlns:a16="http://schemas.microsoft.com/office/drawing/2014/main" id="{CFCC4B76-CC7C-4721-7CFD-7ECD26C49F3F}"/>
-                </a:ext>
-              </a:extLst>
-            </p:cNvPr>
-            <p:cNvGrpSpPr/>
-            <p:nvPr/>
-          </p:nvGrpSpPr>
-          <p:grpSpPr>
-            <a:xfrm>
-              <a:off x="3629207" y="823412"/>
-              <a:ext cx="2968270" cy="891088"/>
-              <a:chOff x="3629207" y="823412"/>
-              <a:chExt cx="2968270" cy="891088"/>
-            </a:xfrm>
-          </p:grpSpPr>
-          <p:pic>
-            <p:nvPicPr>
-              <p:cNvPr id="4" name="Picture 3" descr="A white letter l on a black background&#10;&#10;Description automatically generated">
-                <a:extLst>
-                  <a:ext uri="{FF2B5EF4-FFF2-40B4-BE49-F238E27FC236}">
-                    <a16:creationId xmlns:a16="http://schemas.microsoft.com/office/drawing/2014/main" id="{661FFF21-BAEF-833D-4E53-1EE91883168E}"/>
-                  </a:ext>
-                </a:extLst>
-              </p:cNvPr>
-              <p:cNvPicPr>
-                <a:picLocks noChangeAspect="1"/>
-              </p:cNvPicPr>
-              <p:nvPr/>
-            </p:nvPicPr>
-            <p:blipFill>
-              <a:blip r:embed="rId4">
-                <a:extLst>
-                  <a:ext uri="{28A0092B-C50C-407E-A947-70E740481C1C}">
-                    <a14:useLocalDpi xmlns:a14="http://schemas.microsoft.com/office/drawing/2010/main" val="0"/>
-                  </a:ext>
-                </a:extLst>
-              </a:blip>
-              <a:stretch>
-                <a:fillRect/>
-              </a:stretch>
-            </p:blipFill>
-            <p:spPr>
-              <a:xfrm>
-                <a:off x="5728855" y="823414"/>
-                <a:ext cx="868622" cy="891086"/>
-              </a:xfrm>
-              <a:prstGeom prst="rect">
-                <a:avLst/>
-              </a:prstGeom>
-            </p:spPr>
-          </p:pic>
-          <p:pic>
-            <p:nvPicPr>
-              <p:cNvPr id="5" name="Picture 4" descr="A white lightning bolt on a black background&#10;&#10;Description automatically generated">
-                <a:extLst>
-                  <a:ext uri="{FF2B5EF4-FFF2-40B4-BE49-F238E27FC236}">
-                    <a16:creationId xmlns:a16="http://schemas.microsoft.com/office/drawing/2014/main" id="{4393870F-B755-0A5E-AE0E-03F1B32584F2}"/>
-                  </a:ext>
-                </a:extLst>
-              </p:cNvPr>
-              <p:cNvPicPr>
-                <a:picLocks noChangeAspect="1"/>
-              </p:cNvPicPr>
-              <p:nvPr/>
-            </p:nvPicPr>
-            <p:blipFill>
-              <a:blip r:embed="rId5">
-                <a:extLst>
-                  <a:ext uri="{28A0092B-C50C-407E-A947-70E740481C1C}">
-                    <a14:useLocalDpi xmlns:a14="http://schemas.microsoft.com/office/drawing/2010/main" val="0"/>
-                  </a:ext>
-                </a:extLst>
-              </a:blip>
-              <a:stretch>
-                <a:fillRect/>
-              </a:stretch>
-            </p:blipFill>
-            <p:spPr>
-              <a:xfrm>
-                <a:off x="4463258" y="823412"/>
-                <a:ext cx="898452" cy="891088"/>
-              </a:xfrm>
-              <a:prstGeom prst="rect">
-                <a:avLst/>
-              </a:prstGeom>
-            </p:spPr>
-          </p:pic>
-          <p:sp>
-            <p:nvSpPr>
-              <p:cNvPr id="6" name="TextBox 5">
-                <a:extLst>
-                  <a:ext uri="{FF2B5EF4-FFF2-40B4-BE49-F238E27FC236}">
-                    <a16:creationId xmlns:a16="http://schemas.microsoft.com/office/drawing/2014/main" id="{D1586C1B-6A99-8611-EC71-941358927AD1}"/>
-                  </a:ext>
-                </a:extLst>
-              </p:cNvPr>
-              <p:cNvSpPr txBox="1"/>
-              <p:nvPr/>
-            </p:nvSpPr>
-            <p:spPr>
-              <a:xfrm>
-                <a:off x="3629207" y="1184564"/>
-                <a:ext cx="566667" cy="401362"/>
-              </a:xfrm>
-              <a:prstGeom prst="rect">
-                <a:avLst/>
-              </a:prstGeom>
-              <a:noFill/>
-              <a:ln w="57150">
-                <a:noFill/>
-                <a:miter lim="800000"/>
-              </a:ln>
-            </p:spPr>
-            <p:txBody>
-              <a:bodyPr wrap="none" lIns="90000" tIns="90000" rIns="90000" bIns="90000" rtlCol="0" anchor="ctr" anchorCtr="0">
-                <a:noAutofit/>
-              </a:bodyPr>
-              <a:lstStyle/>
-              <a:p>
-                <a:pPr marL="0" indent="0" algn="ctr">
-                  <a:lnSpc>
-                    <a:spcPct val="90000"/>
-                  </a:lnSpc>
-                  <a:spcBef>
-                    <a:spcPts val="400"/>
-                  </a:spcBef>
-                  <a:buFont typeface="MetricHPE" panose="020B0503030202060203" pitchFamily="34" charset="0"/>
-                  <a:buNone/>
-                </a:pPr>
-                <a:r>
-                  <a:rPr lang="en-US" dirty="0"/>
-                  <a:t>Input: </a:t>
-                </a:r>
-              </a:p>
-            </p:txBody>
-          </p:sp>
-        </p:grpSp>
-        <p:sp>
-          <p:nvSpPr>
-            <p:cNvPr id="8" name="TextBox 7">
-              <a:extLst>
-                <a:ext uri="{FF2B5EF4-FFF2-40B4-BE49-F238E27FC236}">
-                  <a16:creationId xmlns:a16="http://schemas.microsoft.com/office/drawing/2014/main" id="{7A1B5ECE-8692-A1D4-E998-7E42038B11D9}"/>
-                </a:ext>
-              </a:extLst>
-            </p:cNvPr>
-            <p:cNvSpPr txBox="1"/>
-            <p:nvPr/>
-          </p:nvSpPr>
-          <p:spPr>
-            <a:xfrm>
-              <a:off x="3962079" y="1744698"/>
-              <a:ext cx="914400" cy="914400"/>
-            </a:xfrm>
-            <a:prstGeom prst="rect">
-              <a:avLst/>
-            </a:prstGeom>
-            <a:noFill/>
-            <a:ln w="57150">
-              <a:noFill/>
-              <a:miter lim="800000"/>
-            </a:ln>
-          </p:spPr>
-          <p:txBody>
-            <a:bodyPr wrap="none" lIns="90000" tIns="90000" rIns="90000" bIns="90000" rtlCol="0" anchor="ctr" anchorCtr="0">
-              <a:noAutofit/>
-            </a:bodyPr>
-            <a:lstStyle/>
-            <a:p>
-              <a:pPr marL="0" indent="0" algn="ctr">
-                <a:lnSpc>
-                  <a:spcPct val="90000"/>
-                </a:lnSpc>
-                <a:spcBef>
-                  <a:spcPts val="400"/>
-                </a:spcBef>
-                <a:buFont typeface="MetricHPE" panose="020B0503030202060203" pitchFamily="34" charset="0"/>
-                <a:buNone/>
-              </a:pPr>
-              <a:r>
-                <a:rPr lang="en-US" dirty="0"/>
-                <a:t>Output: 0,1,2,3,…,9</a:t>
-              </a:r>
-            </a:p>
-          </p:txBody>
-        </p:sp>
-      </p:grpSp>
-      <p:pic>
-        <p:nvPicPr>
-          <p:cNvPr id="11" name="Picture 10" descr="A graph with red and blue lines&#10;&#10;Description automatically generated">
-            <a:extLst>
-              <a:ext uri="{FF2B5EF4-FFF2-40B4-BE49-F238E27FC236}">
-                <a16:creationId xmlns:a16="http://schemas.microsoft.com/office/drawing/2014/main" id="{50FD26B6-A02B-6F82-71C4-D47FE8F73719}"/>
-              </a:ext>
-            </a:extLst>
-          </p:cNvPr>
-          <p:cNvPicPr>
-            <a:picLocks noChangeAspect="1"/>
-          </p:cNvPicPr>
-          <p:nvPr/>
-        </p:nvPicPr>
-        <p:blipFill>
-          <a:blip r:embed="rId6">
-            <a:extLst>
-              <a:ext uri="{28A0092B-C50C-407E-A947-70E740481C1C}">
-                <a14:useLocalDpi xmlns:a14="http://schemas.microsoft.com/office/drawing/2010/main" val="0"/>
-              </a:ext>
-            </a:extLst>
-          </a:blip>
-          <a:stretch>
-            <a:fillRect/>
-          </a:stretch>
-        </p:blipFill>
-        <p:spPr>
-          <a:xfrm>
-            <a:off x="323682" y="1122442"/>
-            <a:ext cx="6590842" cy="4911747"/>
-          </a:xfrm>
-          <a:prstGeom prst="rect">
-            <a:avLst/>
-          </a:prstGeom>
-        </p:spPr>
-      </p:pic>
-    </p:spTree>
-    <p:extLst>
-      <p:ext uri="{BB962C8B-B14F-4D97-AF65-F5344CB8AC3E}">
-        <p14:creationId xmlns:p14="http://schemas.microsoft.com/office/powerpoint/2010/main" val="1973119997"/>
-      </p:ext>
-    </p:extLst>
-  </p:cSld>
-  <p:clrMapOvr>
-    <a:masterClrMapping/>
-  </p:clrMapOvr>
-  <mc:AlternateContent xmlns:mc="http://schemas.openxmlformats.org/markup-compatibility/2006" xmlns:p14="http://schemas.microsoft.com/office/powerpoint/2010/main">
-    <mc:Choice Requires="p14">
-      <p:transition spd="med" p14:dur="700">
-        <p:fade/>
-      </p:transition>
-    </mc:Choice>
-    <mc:Fallback xmlns="">
-      <p:transition spd="med">
-        <p:fade/>
-      </p:transition>
-    </mc:Fallback>
-  </mc:AlternateContent>
 </p:sld>
 </file>
 
@@ -30344,10 +30822,10 @@
       </p:grpSpPr>
       <p:sp>
         <p:nvSpPr>
-          <p:cNvPr id="2" name="Title 1">
+          <p:cNvPr id="21" name="Title 20">
             <a:extLst>
               <a:ext uri="{FF2B5EF4-FFF2-40B4-BE49-F238E27FC236}">
-                <a16:creationId xmlns:a16="http://schemas.microsoft.com/office/drawing/2014/main" id="{63774DE2-160D-CED4-4828-480DDA8E0708}"/>
+                <a16:creationId xmlns:a16="http://schemas.microsoft.com/office/drawing/2014/main" id="{E22BF8A7-E37A-4DA3-B869-04D647B704C3}"/>
               </a:ext>
             </a:extLst>
           </p:cNvPr>
@@ -30364,16 +30842,1048 @@
           <a:lstStyle/>
           <a:p>
             <a:r>
-              <a:rPr lang="en-US" sz="4000" dirty="0"/>
-              <a:t>Thank you</a:t>
-            </a:r>
+              <a:rPr lang="en-US" dirty="0"/>
+              <a:t>Easy Parallelism</a:t>
+            </a:r>
+          </a:p>
+        </p:txBody>
+      </p:sp>
+      <p:sp>
+        <p:nvSpPr>
+          <p:cNvPr id="2" name="TextBox 1">
+            <a:extLst>
+              <a:ext uri="{FF2B5EF4-FFF2-40B4-BE49-F238E27FC236}">
+                <a16:creationId xmlns:a16="http://schemas.microsoft.com/office/drawing/2014/main" id="{11DEA90B-79E1-7A55-BF40-718AAB52D97B}"/>
+              </a:ext>
+            </a:extLst>
+          </p:cNvPr>
+          <p:cNvSpPr txBox="1"/>
+          <p:nvPr/>
+        </p:nvSpPr>
+        <p:spPr>
+          <a:xfrm>
+            <a:off x="787790" y="1477109"/>
+            <a:ext cx="10996223" cy="4032436"/>
+          </a:xfrm>
+          <a:prstGeom prst="rect">
+            <a:avLst/>
+          </a:prstGeom>
+          <a:noFill/>
+          <a:ln w="57150">
+            <a:noFill/>
+            <a:miter lim="800000"/>
+          </a:ln>
+        </p:spPr>
+        <p:txBody>
+          <a:bodyPr wrap="none" lIns="90000" tIns="90000" rIns="90000" bIns="90000" rtlCol="0" anchor="ctr" anchorCtr="0">
+            <a:noAutofit/>
+          </a:bodyPr>
+          <a:lstStyle/>
+          <a:p>
+            <a:r>
+              <a:rPr lang="en-US" b="0" dirty="0">
+                <a:solidFill>
+                  <a:srgbClr val="6A737D"/>
+                </a:solidFill>
+                <a:effectLst/>
+                <a:latin typeface="SFMono-Regular" panose="020B0009000002000000" pitchFamily="49" charset="0"/>
+              </a:rPr>
+              <a:t>// Processes single input vector</a:t>
+            </a:r>
+            <a:endParaRPr lang="en-US" b="0" dirty="0">
+              <a:solidFill>
+                <a:srgbClr val="D73A49"/>
+              </a:solidFill>
+              <a:effectLst/>
+              <a:latin typeface="SFMono-Regular" panose="020B0009000002000000" pitchFamily="49" charset="0"/>
+            </a:endParaRPr>
+          </a:p>
+          <a:p>
+            <a:r>
+              <a:rPr lang="en-US" b="0" dirty="0">
+                <a:solidFill>
+                  <a:srgbClr val="D73A49"/>
+                </a:solidFill>
+                <a:effectLst/>
+                <a:latin typeface="SFMono-Regular" panose="020B0009000002000000" pitchFamily="49" charset="0"/>
+              </a:rPr>
+              <a:t>proc</a:t>
+            </a:r>
+            <a:r>
+              <a:rPr lang="en-US" b="0" dirty="0">
+                <a:solidFill>
+                  <a:srgbClr val="24292E"/>
+                </a:solidFill>
+                <a:effectLst/>
+                <a:latin typeface="SFMono-Regular" panose="020B0009000002000000" pitchFamily="49" charset="0"/>
+              </a:rPr>
+              <a:t> </a:t>
+            </a:r>
+            <a:r>
+              <a:rPr lang="en-US" b="0" dirty="0" err="1">
+                <a:solidFill>
+                  <a:srgbClr val="24292E"/>
+                </a:solidFill>
+                <a:effectLst/>
+                <a:latin typeface="SFMono-Regular" panose="020B0009000002000000" pitchFamily="49" charset="0"/>
+              </a:rPr>
+              <a:t>forwardProp</a:t>
+            </a:r>
+            <a:r>
+              <a:rPr lang="en-US" b="0" dirty="0">
+                <a:solidFill>
+                  <a:srgbClr val="24292E"/>
+                </a:solidFill>
+                <a:effectLst/>
+                <a:latin typeface="SFMono-Regular" panose="020B0009000002000000" pitchFamily="49" charset="0"/>
+              </a:rPr>
+              <a:t>(input</a:t>
+            </a:r>
+            <a:r>
+              <a:rPr lang="en-US" b="0" dirty="0">
+                <a:solidFill>
+                  <a:srgbClr val="D73A49"/>
+                </a:solidFill>
+                <a:effectLst/>
+                <a:latin typeface="SFMono-Regular" panose="020B0009000002000000" pitchFamily="49" charset="0"/>
+              </a:rPr>
+              <a:t>:</a:t>
+            </a:r>
+            <a:r>
+              <a:rPr lang="en-US" b="0" dirty="0">
+                <a:solidFill>
+                  <a:srgbClr val="24292E"/>
+                </a:solidFill>
+                <a:effectLst/>
+                <a:latin typeface="SFMono-Regular" panose="020B0009000002000000" pitchFamily="49" charset="0"/>
+              </a:rPr>
+              <a:t> </a:t>
+            </a:r>
+            <a:r>
+              <a:rPr lang="en-US" b="0" dirty="0">
+                <a:solidFill>
+                  <a:srgbClr val="D73A49"/>
+                </a:solidFill>
+                <a:effectLst/>
+                <a:latin typeface="SFMono-Regular" panose="020B0009000002000000" pitchFamily="49" charset="0"/>
+              </a:rPr>
+              <a:t>Tensor</a:t>
+            </a:r>
+            <a:r>
+              <a:rPr lang="en-US" b="0" dirty="0">
+                <a:solidFill>
+                  <a:srgbClr val="24292E"/>
+                </a:solidFill>
+                <a:effectLst/>
+                <a:latin typeface="SFMono-Regular" panose="020B0009000002000000" pitchFamily="49" charset="0"/>
+              </a:rPr>
+              <a:t>(</a:t>
+            </a:r>
+            <a:r>
+              <a:rPr lang="en-US" b="0" dirty="0">
+                <a:solidFill>
+                  <a:srgbClr val="005CC5"/>
+                </a:solidFill>
+                <a:effectLst/>
+                <a:latin typeface="SFMono-Regular" panose="020B0009000002000000" pitchFamily="49" charset="0"/>
+              </a:rPr>
+              <a:t>1</a:t>
+            </a:r>
+            <a:r>
+              <a:rPr lang="en-US" b="0" dirty="0">
+                <a:solidFill>
+                  <a:srgbClr val="24292E"/>
+                </a:solidFill>
+                <a:effectLst/>
+                <a:latin typeface="SFMono-Regular" panose="020B0009000002000000" pitchFamily="49" charset="0"/>
+              </a:rPr>
+              <a:t>))</a:t>
+            </a:r>
+            <a:r>
+              <a:rPr lang="en-US" b="0" dirty="0">
+                <a:solidFill>
+                  <a:srgbClr val="D73A49"/>
+                </a:solidFill>
+                <a:effectLst/>
+                <a:latin typeface="SFMono-Regular" panose="020B0009000002000000" pitchFamily="49" charset="0"/>
+              </a:rPr>
+              <a:t>:</a:t>
+            </a:r>
+            <a:r>
+              <a:rPr lang="en-US" b="0" dirty="0">
+                <a:solidFill>
+                  <a:srgbClr val="24292E"/>
+                </a:solidFill>
+                <a:effectLst/>
+                <a:latin typeface="SFMono-Regular" panose="020B0009000002000000" pitchFamily="49" charset="0"/>
+              </a:rPr>
+              <a:t> </a:t>
+            </a:r>
+            <a:r>
+              <a:rPr lang="en-US" b="0" dirty="0">
+                <a:solidFill>
+                  <a:srgbClr val="D73A49"/>
+                </a:solidFill>
+                <a:effectLst/>
+                <a:latin typeface="SFMono-Regular" panose="020B0009000002000000" pitchFamily="49" charset="0"/>
+              </a:rPr>
+              <a:t>Tensor</a:t>
+            </a:r>
+            <a:r>
+              <a:rPr lang="en-US" b="0" dirty="0">
+                <a:solidFill>
+                  <a:srgbClr val="24292E"/>
+                </a:solidFill>
+                <a:effectLst/>
+                <a:latin typeface="SFMono-Regular" panose="020B0009000002000000" pitchFamily="49" charset="0"/>
+              </a:rPr>
+              <a:t>(</a:t>
+            </a:r>
+            <a:r>
+              <a:rPr lang="en-US" b="0" dirty="0">
+                <a:solidFill>
+                  <a:srgbClr val="005CC5"/>
+                </a:solidFill>
+                <a:effectLst/>
+                <a:latin typeface="SFMono-Regular" panose="020B0009000002000000" pitchFamily="49" charset="0"/>
+              </a:rPr>
+              <a:t>1</a:t>
+            </a:r>
+            <a:r>
+              <a:rPr lang="en-US" b="0" dirty="0">
+                <a:solidFill>
+                  <a:srgbClr val="24292E"/>
+                </a:solidFill>
+                <a:effectLst/>
+                <a:latin typeface="SFMono-Regular" panose="020B0009000002000000" pitchFamily="49" charset="0"/>
+              </a:rPr>
+              <a:t>) {</a:t>
+            </a:r>
+          </a:p>
+          <a:p>
+            <a:r>
+              <a:rPr lang="en-US" b="0" dirty="0">
+                <a:solidFill>
+                  <a:srgbClr val="D73A49"/>
+                </a:solidFill>
+                <a:effectLst/>
+                <a:latin typeface="SFMono-Regular" panose="020B0009000002000000" pitchFamily="49" charset="0"/>
+              </a:rPr>
+              <a:t>	return</a:t>
+            </a:r>
+            <a:r>
+              <a:rPr lang="en-US" b="0" dirty="0">
+                <a:solidFill>
+                  <a:srgbClr val="24292E"/>
+                </a:solidFill>
+                <a:effectLst/>
+                <a:latin typeface="SFMono-Regular" panose="020B0009000002000000" pitchFamily="49" charset="0"/>
+              </a:rPr>
+              <a:t> (weights </a:t>
+            </a:r>
+            <a:r>
+              <a:rPr lang="en-US" b="0" dirty="0">
+                <a:solidFill>
+                  <a:srgbClr val="D73A49"/>
+                </a:solidFill>
+                <a:effectLst/>
+                <a:latin typeface="SFMono-Regular" panose="020B0009000002000000" pitchFamily="49" charset="0"/>
+              </a:rPr>
+              <a:t>*</a:t>
+            </a:r>
+            <a:r>
+              <a:rPr lang="en-US" b="0" dirty="0">
+                <a:solidFill>
+                  <a:srgbClr val="24292E"/>
+                </a:solidFill>
+                <a:effectLst/>
+                <a:latin typeface="SFMono-Regular" panose="020B0009000002000000" pitchFamily="49" charset="0"/>
+              </a:rPr>
+              <a:t> input) </a:t>
+            </a:r>
+            <a:r>
+              <a:rPr lang="en-US" b="0" dirty="0">
+                <a:solidFill>
+                  <a:srgbClr val="D73A49"/>
+                </a:solidFill>
+                <a:effectLst/>
+                <a:latin typeface="SFMono-Regular" panose="020B0009000002000000" pitchFamily="49" charset="0"/>
+              </a:rPr>
+              <a:t>+</a:t>
+            </a:r>
+            <a:r>
+              <a:rPr lang="en-US" b="0" dirty="0">
+                <a:solidFill>
+                  <a:srgbClr val="24292E"/>
+                </a:solidFill>
+                <a:effectLst/>
+                <a:latin typeface="SFMono-Regular" panose="020B0009000002000000" pitchFamily="49" charset="0"/>
+              </a:rPr>
+              <a:t> bias;</a:t>
+            </a:r>
+          </a:p>
+          <a:p>
+            <a:r>
+              <a:rPr lang="en-US" b="0" dirty="0">
+                <a:solidFill>
+                  <a:srgbClr val="24292E"/>
+                </a:solidFill>
+                <a:effectLst/>
+                <a:latin typeface="SFMono-Regular" panose="020B0009000002000000" pitchFamily="49" charset="0"/>
+              </a:rPr>
+              <a:t>}</a:t>
+            </a:r>
+          </a:p>
+          <a:p>
+            <a:endParaRPr lang="en-US" b="0" dirty="0">
+              <a:solidFill>
+                <a:srgbClr val="24292E"/>
+              </a:solidFill>
+              <a:effectLst/>
+              <a:latin typeface="SFMono-Regular" panose="020B0009000002000000" pitchFamily="49" charset="0"/>
+            </a:endParaRPr>
+          </a:p>
+          <a:p>
+            <a:endParaRPr lang="en-US" b="0" dirty="0">
+              <a:solidFill>
+                <a:srgbClr val="24292E"/>
+              </a:solidFill>
+              <a:effectLst/>
+              <a:latin typeface="SFMono-Regular" panose="020B0009000002000000" pitchFamily="49" charset="0"/>
+            </a:endParaRPr>
+          </a:p>
+          <a:p>
+            <a:r>
+              <a:rPr lang="en-US" b="0" dirty="0">
+                <a:solidFill>
+                  <a:srgbClr val="6A737D"/>
+                </a:solidFill>
+                <a:effectLst/>
+                <a:latin typeface="SFMono-Regular" panose="020B0009000002000000" pitchFamily="49" charset="0"/>
+              </a:rPr>
+              <a:t>// Processes a batch of input vectors in parallel</a:t>
+            </a:r>
+            <a:br>
+              <a:rPr lang="en-US" b="0" dirty="0">
+                <a:solidFill>
+                  <a:srgbClr val="24292E"/>
+                </a:solidFill>
+                <a:effectLst/>
+                <a:latin typeface="SFMono-Regular" panose="020B0009000002000000" pitchFamily="49" charset="0"/>
+              </a:rPr>
+            </a:br>
+            <a:r>
+              <a:rPr lang="en-US" b="0" dirty="0">
+                <a:solidFill>
+                  <a:srgbClr val="D73A49"/>
+                </a:solidFill>
+                <a:effectLst/>
+                <a:latin typeface="SFMono-Regular" panose="020B0009000002000000" pitchFamily="49" charset="0"/>
+              </a:rPr>
+              <a:t>proc</a:t>
+            </a:r>
+            <a:r>
+              <a:rPr lang="en-US" b="0" dirty="0">
+                <a:solidFill>
+                  <a:srgbClr val="24292E"/>
+                </a:solidFill>
+                <a:effectLst/>
+                <a:latin typeface="SFMono-Regular" panose="020B0009000002000000" pitchFamily="49" charset="0"/>
+              </a:rPr>
+              <a:t> </a:t>
+            </a:r>
+            <a:r>
+              <a:rPr lang="en-US" b="0" dirty="0" err="1">
+                <a:solidFill>
+                  <a:srgbClr val="24292E"/>
+                </a:solidFill>
+                <a:effectLst/>
+                <a:latin typeface="SFMono-Regular" panose="020B0009000002000000" pitchFamily="49" charset="0"/>
+              </a:rPr>
+              <a:t>forwardPropBatch</a:t>
+            </a:r>
+            <a:r>
+              <a:rPr lang="en-US" b="0" dirty="0">
+                <a:solidFill>
+                  <a:srgbClr val="24292E"/>
+                </a:solidFill>
+                <a:effectLst/>
+                <a:latin typeface="SFMono-Regular" panose="020B0009000002000000" pitchFamily="49" charset="0"/>
+              </a:rPr>
+              <a:t>(batch</a:t>
+            </a:r>
+            <a:r>
+              <a:rPr lang="en-US" b="0" dirty="0">
+                <a:solidFill>
+                  <a:srgbClr val="D73A49"/>
+                </a:solidFill>
+                <a:effectLst/>
+                <a:latin typeface="SFMono-Regular" panose="020B0009000002000000" pitchFamily="49" charset="0"/>
+              </a:rPr>
+              <a:t>:</a:t>
+            </a:r>
+            <a:r>
+              <a:rPr lang="en-US" b="0" dirty="0">
+                <a:solidFill>
+                  <a:srgbClr val="24292E"/>
+                </a:solidFill>
+                <a:effectLst/>
+                <a:latin typeface="SFMono-Regular" panose="020B0009000002000000" pitchFamily="49" charset="0"/>
+              </a:rPr>
+              <a:t> </a:t>
+            </a:r>
+            <a:r>
+              <a:rPr lang="en-US" b="0" dirty="0">
+                <a:solidFill>
+                  <a:srgbClr val="D73A49"/>
+                </a:solidFill>
+                <a:effectLst/>
+                <a:latin typeface="SFMono-Regular" panose="020B0009000002000000" pitchFamily="49" charset="0"/>
+              </a:rPr>
+              <a:t>[]</a:t>
+            </a:r>
+            <a:r>
+              <a:rPr lang="en-US" b="0" dirty="0">
+                <a:solidFill>
+                  <a:srgbClr val="24292E"/>
+                </a:solidFill>
+                <a:effectLst/>
+                <a:latin typeface="SFMono-Regular" panose="020B0009000002000000" pitchFamily="49" charset="0"/>
+              </a:rPr>
+              <a:t> </a:t>
+            </a:r>
+            <a:r>
+              <a:rPr lang="en-US" b="0" dirty="0">
+                <a:solidFill>
+                  <a:srgbClr val="D73A49"/>
+                </a:solidFill>
+                <a:effectLst/>
+                <a:latin typeface="SFMono-Regular" panose="020B0009000002000000" pitchFamily="49" charset="0"/>
+              </a:rPr>
+              <a:t>Tensor</a:t>
+            </a:r>
+            <a:r>
+              <a:rPr lang="en-US" b="0" dirty="0">
+                <a:solidFill>
+                  <a:srgbClr val="24292E"/>
+                </a:solidFill>
+                <a:effectLst/>
+                <a:latin typeface="SFMono-Regular" panose="020B0009000002000000" pitchFamily="49" charset="0"/>
+              </a:rPr>
+              <a:t>(</a:t>
+            </a:r>
+            <a:r>
+              <a:rPr lang="en-US" b="0" dirty="0">
+                <a:solidFill>
+                  <a:srgbClr val="005CC5"/>
+                </a:solidFill>
+                <a:effectLst/>
+                <a:latin typeface="SFMono-Regular" panose="020B0009000002000000" pitchFamily="49" charset="0"/>
+              </a:rPr>
+              <a:t>1</a:t>
+            </a:r>
+            <a:r>
+              <a:rPr lang="en-US" b="0" dirty="0">
+                <a:solidFill>
+                  <a:srgbClr val="24292E"/>
+                </a:solidFill>
+                <a:effectLst/>
+                <a:latin typeface="SFMono-Regular" panose="020B0009000002000000" pitchFamily="49" charset="0"/>
+              </a:rPr>
+              <a:t>))</a:t>
+            </a:r>
+            <a:r>
+              <a:rPr lang="en-US" b="0" dirty="0">
+                <a:solidFill>
+                  <a:srgbClr val="D73A49"/>
+                </a:solidFill>
+                <a:effectLst/>
+                <a:latin typeface="SFMono-Regular" panose="020B0009000002000000" pitchFamily="49" charset="0"/>
+              </a:rPr>
+              <a:t>:</a:t>
+            </a:r>
+            <a:r>
+              <a:rPr lang="en-US" b="0" dirty="0">
+                <a:solidFill>
+                  <a:srgbClr val="24292E"/>
+                </a:solidFill>
+                <a:effectLst/>
+                <a:latin typeface="SFMono-Regular" panose="020B0009000002000000" pitchFamily="49" charset="0"/>
+              </a:rPr>
+              <a:t> </a:t>
+            </a:r>
+            <a:r>
+              <a:rPr lang="en-US" b="0" dirty="0">
+                <a:solidFill>
+                  <a:srgbClr val="D73A49"/>
+                </a:solidFill>
+                <a:effectLst/>
+                <a:latin typeface="SFMono-Regular" panose="020B0009000002000000" pitchFamily="49" charset="0"/>
+              </a:rPr>
+              <a:t>[]</a:t>
+            </a:r>
+            <a:r>
+              <a:rPr lang="en-US" b="0" dirty="0">
+                <a:solidFill>
+                  <a:srgbClr val="24292E"/>
+                </a:solidFill>
+                <a:effectLst/>
+                <a:latin typeface="SFMono-Regular" panose="020B0009000002000000" pitchFamily="49" charset="0"/>
+              </a:rPr>
+              <a:t> </a:t>
+            </a:r>
+            <a:r>
+              <a:rPr lang="en-US" b="0" dirty="0">
+                <a:solidFill>
+                  <a:srgbClr val="D73A49"/>
+                </a:solidFill>
+                <a:effectLst/>
+                <a:latin typeface="SFMono-Regular" panose="020B0009000002000000" pitchFamily="49" charset="0"/>
+              </a:rPr>
+              <a:t>Tensor</a:t>
+            </a:r>
+            <a:r>
+              <a:rPr lang="en-US" b="0" dirty="0">
+                <a:solidFill>
+                  <a:srgbClr val="24292E"/>
+                </a:solidFill>
+                <a:effectLst/>
+                <a:latin typeface="SFMono-Regular" panose="020B0009000002000000" pitchFamily="49" charset="0"/>
+              </a:rPr>
+              <a:t>(</a:t>
+            </a:r>
+            <a:r>
+              <a:rPr lang="en-US" b="0" dirty="0">
+                <a:solidFill>
+                  <a:srgbClr val="005CC5"/>
+                </a:solidFill>
+                <a:effectLst/>
+                <a:latin typeface="SFMono-Regular" panose="020B0009000002000000" pitchFamily="49" charset="0"/>
+              </a:rPr>
+              <a:t>1</a:t>
+            </a:r>
+            <a:r>
+              <a:rPr lang="en-US" b="0" dirty="0">
+                <a:solidFill>
+                  <a:srgbClr val="24292E"/>
+                </a:solidFill>
+                <a:effectLst/>
+                <a:latin typeface="SFMono-Regular" panose="020B0009000002000000" pitchFamily="49" charset="0"/>
+              </a:rPr>
+              <a:t>) {</a:t>
+            </a:r>
+          </a:p>
+          <a:p>
+            <a:pPr lvl="1"/>
+            <a:r>
+              <a:rPr lang="en-US" b="0" dirty="0">
+                <a:solidFill>
+                  <a:srgbClr val="D73A49"/>
+                </a:solidFill>
+                <a:effectLst/>
+                <a:latin typeface="SFMono-Regular" panose="020B0009000002000000" pitchFamily="49" charset="0"/>
+              </a:rPr>
+              <a:t>var</a:t>
+            </a:r>
+            <a:r>
+              <a:rPr lang="en-US" b="0" dirty="0">
+                <a:solidFill>
+                  <a:srgbClr val="24292E"/>
+                </a:solidFill>
+                <a:effectLst/>
+                <a:latin typeface="SFMono-Regular" panose="020B0009000002000000" pitchFamily="49" charset="0"/>
+              </a:rPr>
+              <a:t> activations</a:t>
+            </a:r>
+            <a:r>
+              <a:rPr lang="en-US" b="0" dirty="0">
+                <a:solidFill>
+                  <a:srgbClr val="D73A49"/>
+                </a:solidFill>
+                <a:effectLst/>
+                <a:latin typeface="SFMono-Regular" panose="020B0009000002000000" pitchFamily="49" charset="0"/>
+              </a:rPr>
+              <a:t>:</a:t>
+            </a:r>
+            <a:r>
+              <a:rPr lang="en-US" b="0" dirty="0">
+                <a:solidFill>
+                  <a:srgbClr val="24292E"/>
+                </a:solidFill>
+                <a:effectLst/>
+                <a:latin typeface="SFMono-Regular" panose="020B0009000002000000" pitchFamily="49" charset="0"/>
+              </a:rPr>
+              <a:t> </a:t>
+            </a:r>
+            <a:r>
+              <a:rPr lang="en-US" b="0" dirty="0">
+                <a:solidFill>
+                  <a:srgbClr val="D73A49"/>
+                </a:solidFill>
+                <a:effectLst/>
+                <a:latin typeface="SFMono-Regular" panose="020B0009000002000000" pitchFamily="49" charset="0"/>
+              </a:rPr>
+              <a:t>[</a:t>
+            </a:r>
+            <a:r>
+              <a:rPr lang="en-US" b="0" dirty="0" err="1">
+                <a:solidFill>
+                  <a:srgbClr val="24292E"/>
+                </a:solidFill>
+                <a:effectLst/>
+                <a:latin typeface="SFMono-Regular" panose="020B0009000002000000" pitchFamily="49" charset="0"/>
+              </a:rPr>
+              <a:t>batch.</a:t>
+            </a:r>
+            <a:r>
+              <a:rPr lang="en-US" b="0" dirty="0" err="1">
+                <a:solidFill>
+                  <a:srgbClr val="D73A49"/>
+                </a:solidFill>
+                <a:effectLst/>
+                <a:latin typeface="SFMono-Regular" panose="020B0009000002000000" pitchFamily="49" charset="0"/>
+              </a:rPr>
+              <a:t>domain</a:t>
+            </a:r>
+            <a:r>
+              <a:rPr lang="en-US" b="0" dirty="0">
+                <a:solidFill>
+                  <a:srgbClr val="D73A49"/>
+                </a:solidFill>
+                <a:effectLst/>
+                <a:latin typeface="SFMono-Regular" panose="020B0009000002000000" pitchFamily="49" charset="0"/>
+              </a:rPr>
+              <a:t>]</a:t>
+            </a:r>
+            <a:r>
+              <a:rPr lang="en-US" b="0" dirty="0">
+                <a:solidFill>
+                  <a:srgbClr val="24292E"/>
+                </a:solidFill>
+                <a:effectLst/>
+                <a:latin typeface="SFMono-Regular" panose="020B0009000002000000" pitchFamily="49" charset="0"/>
+              </a:rPr>
+              <a:t> </a:t>
+            </a:r>
+            <a:r>
+              <a:rPr lang="en-US" b="0" dirty="0">
+                <a:solidFill>
+                  <a:srgbClr val="D73A49"/>
+                </a:solidFill>
+                <a:effectLst/>
+                <a:latin typeface="SFMono-Regular" panose="020B0009000002000000" pitchFamily="49" charset="0"/>
+              </a:rPr>
+              <a:t>Tensor</a:t>
+            </a:r>
+            <a:r>
+              <a:rPr lang="en-US" b="0" dirty="0">
+                <a:solidFill>
+                  <a:srgbClr val="24292E"/>
+                </a:solidFill>
+                <a:effectLst/>
+                <a:latin typeface="SFMono-Regular" panose="020B0009000002000000" pitchFamily="49" charset="0"/>
+              </a:rPr>
+              <a:t>(</a:t>
+            </a:r>
+            <a:r>
+              <a:rPr lang="en-US" b="0" dirty="0">
+                <a:solidFill>
+                  <a:srgbClr val="005CC5"/>
+                </a:solidFill>
+                <a:effectLst/>
+                <a:latin typeface="SFMono-Regular" panose="020B0009000002000000" pitchFamily="49" charset="0"/>
+              </a:rPr>
+              <a:t>1</a:t>
+            </a:r>
+            <a:r>
+              <a:rPr lang="en-US" b="0" dirty="0">
+                <a:solidFill>
+                  <a:srgbClr val="24292E"/>
+                </a:solidFill>
+                <a:effectLst/>
+                <a:latin typeface="SFMono-Regular" panose="020B0009000002000000" pitchFamily="49" charset="0"/>
+              </a:rPr>
+              <a:t>) </a:t>
+            </a:r>
+            <a:r>
+              <a:rPr lang="en-US" b="0" dirty="0">
+                <a:solidFill>
+                  <a:srgbClr val="D73A49"/>
+                </a:solidFill>
+                <a:effectLst/>
+                <a:latin typeface="SFMono-Regular" panose="020B0009000002000000" pitchFamily="49" charset="0"/>
+              </a:rPr>
+              <a:t>=</a:t>
+            </a:r>
+            <a:r>
+              <a:rPr lang="en-US" b="0" dirty="0">
+                <a:solidFill>
+                  <a:srgbClr val="24292E"/>
+                </a:solidFill>
+                <a:effectLst/>
+                <a:latin typeface="SFMono-Regular" panose="020B0009000002000000" pitchFamily="49" charset="0"/>
+              </a:rPr>
+              <a:t> </a:t>
+            </a:r>
+            <a:r>
+              <a:rPr lang="en-US" b="0" dirty="0">
+                <a:solidFill>
+                  <a:srgbClr val="D73A49"/>
+                </a:solidFill>
+                <a:effectLst/>
+                <a:latin typeface="SFMono-Regular" panose="020B0009000002000000" pitchFamily="49" charset="0"/>
+              </a:rPr>
+              <a:t>new</a:t>
+            </a:r>
+            <a:r>
+              <a:rPr lang="en-US" b="0" dirty="0">
+                <a:solidFill>
+                  <a:srgbClr val="24292E"/>
+                </a:solidFill>
+                <a:effectLst/>
+                <a:latin typeface="SFMono-Regular" panose="020B0009000002000000" pitchFamily="49" charset="0"/>
+              </a:rPr>
+              <a:t> </a:t>
+            </a:r>
+            <a:r>
+              <a:rPr lang="en-US" b="0" dirty="0">
+                <a:solidFill>
+                  <a:srgbClr val="D73A49"/>
+                </a:solidFill>
+                <a:effectLst/>
+                <a:latin typeface="SFMono-Regular" panose="020B0009000002000000" pitchFamily="49" charset="0"/>
+              </a:rPr>
+              <a:t>Tensor</a:t>
+            </a:r>
+            <a:r>
+              <a:rPr lang="en-US" b="0" dirty="0">
+                <a:solidFill>
+                  <a:srgbClr val="24292E"/>
+                </a:solidFill>
+                <a:effectLst/>
+                <a:latin typeface="SFMono-Regular" panose="020B0009000002000000" pitchFamily="49" charset="0"/>
+              </a:rPr>
+              <a:t>({</a:t>
+            </a:r>
+            <a:r>
+              <a:rPr lang="en-US" b="0" dirty="0">
+                <a:solidFill>
+                  <a:srgbClr val="005CC5"/>
+                </a:solidFill>
+                <a:effectLst/>
+                <a:latin typeface="SFMono-Regular" panose="020B0009000002000000" pitchFamily="49" charset="0"/>
+              </a:rPr>
+              <a:t>0</a:t>
+            </a:r>
+            <a:r>
+              <a:rPr lang="en-US" b="0" dirty="0">
+                <a:solidFill>
+                  <a:srgbClr val="24292E"/>
+                </a:solidFill>
+                <a:effectLst/>
+                <a:latin typeface="SFMono-Regular" panose="020B0009000002000000" pitchFamily="49" charset="0"/>
+              </a:rPr>
+              <a:t>..#numNeurons});</a:t>
+            </a:r>
+          </a:p>
+          <a:p>
+            <a:pPr lvl="1"/>
+            <a:r>
+              <a:rPr lang="en-US" b="1" dirty="0" err="1">
+                <a:solidFill>
+                  <a:srgbClr val="D73A49"/>
+                </a:solidFill>
+                <a:effectLst/>
+                <a:latin typeface="SF Mono Heavy" panose="020B0009000002000000" pitchFamily="49" charset="0"/>
+                <a:cs typeface="SF Mono Heavy" panose="020B0009000002000000" pitchFamily="49" charset="0"/>
+              </a:rPr>
+              <a:t>forall</a:t>
+            </a:r>
+            <a:r>
+              <a:rPr lang="en-US" b="0" dirty="0">
+                <a:solidFill>
+                  <a:srgbClr val="24292E"/>
+                </a:solidFill>
+                <a:effectLst/>
+                <a:latin typeface="SFMono-Regular" panose="020B0009000002000000" pitchFamily="49" charset="0"/>
+              </a:rPr>
+              <a:t> </a:t>
+            </a:r>
+            <a:r>
+              <a:rPr lang="en-US" b="0" dirty="0" err="1">
+                <a:solidFill>
+                  <a:srgbClr val="24292E"/>
+                </a:solidFill>
+                <a:effectLst/>
+                <a:latin typeface="SFMono-Regular" panose="020B0009000002000000" pitchFamily="49" charset="0"/>
+              </a:rPr>
+              <a:t>i</a:t>
+            </a:r>
+            <a:r>
+              <a:rPr lang="en-US" b="0" dirty="0">
+                <a:solidFill>
+                  <a:srgbClr val="24292E"/>
+                </a:solidFill>
+                <a:effectLst/>
+                <a:latin typeface="SFMono-Regular" panose="020B0009000002000000" pitchFamily="49" charset="0"/>
+              </a:rPr>
+              <a:t> </a:t>
+            </a:r>
+            <a:r>
+              <a:rPr lang="en-US" b="0" dirty="0">
+                <a:solidFill>
+                  <a:srgbClr val="D73A49"/>
+                </a:solidFill>
+                <a:effectLst/>
+                <a:latin typeface="SFMono-Regular" panose="020B0009000002000000" pitchFamily="49" charset="0"/>
+              </a:rPr>
+              <a:t>in</a:t>
+            </a:r>
+            <a:r>
+              <a:rPr lang="en-US" b="0" dirty="0">
+                <a:solidFill>
+                  <a:srgbClr val="24292E"/>
+                </a:solidFill>
+                <a:effectLst/>
+                <a:latin typeface="SFMono-Regular" panose="020B0009000002000000" pitchFamily="49" charset="0"/>
+              </a:rPr>
+              <a:t> </a:t>
+            </a:r>
+            <a:r>
+              <a:rPr lang="en-US" b="0" dirty="0" err="1">
+                <a:solidFill>
+                  <a:srgbClr val="24292E"/>
+                </a:solidFill>
+                <a:effectLst/>
+                <a:latin typeface="SFMono-Regular" panose="020B0009000002000000" pitchFamily="49" charset="0"/>
+              </a:rPr>
+              <a:t>batch.</a:t>
+            </a:r>
+            <a:r>
+              <a:rPr lang="en-US" b="0" dirty="0" err="1">
+                <a:solidFill>
+                  <a:srgbClr val="D73A49"/>
+                </a:solidFill>
+                <a:effectLst/>
+                <a:latin typeface="SFMono-Regular" panose="020B0009000002000000" pitchFamily="49" charset="0"/>
+              </a:rPr>
+              <a:t>domain</a:t>
+            </a:r>
+            <a:r>
+              <a:rPr lang="en-US" b="0" dirty="0">
+                <a:solidFill>
+                  <a:srgbClr val="24292E"/>
+                </a:solidFill>
+                <a:effectLst/>
+                <a:latin typeface="SFMono-Regular" panose="020B0009000002000000" pitchFamily="49" charset="0"/>
+              </a:rPr>
+              <a:t> </a:t>
+            </a:r>
+            <a:r>
+              <a:rPr lang="en-US" b="0" dirty="0">
+                <a:solidFill>
+                  <a:srgbClr val="D73A49"/>
+                </a:solidFill>
+                <a:effectLst/>
+                <a:latin typeface="SFMono-Regular" panose="020B0009000002000000" pitchFamily="49" charset="0"/>
+              </a:rPr>
+              <a:t>do</a:t>
+            </a:r>
+            <a:endParaRPr lang="en-US" b="0" dirty="0">
+              <a:solidFill>
+                <a:srgbClr val="24292E"/>
+              </a:solidFill>
+              <a:effectLst/>
+              <a:latin typeface="SFMono-Regular" panose="020B0009000002000000" pitchFamily="49" charset="0"/>
+            </a:endParaRPr>
+          </a:p>
+          <a:p>
+            <a:pPr lvl="1"/>
+            <a:r>
+              <a:rPr lang="en-US" b="0" dirty="0">
+                <a:solidFill>
+                  <a:srgbClr val="24292E"/>
+                </a:solidFill>
+                <a:effectLst/>
+                <a:latin typeface="SFMono-Regular" panose="020B0009000002000000" pitchFamily="49" charset="0"/>
+              </a:rPr>
+              <a:t>	activations</a:t>
+            </a:r>
+            <a:r>
+              <a:rPr lang="en-US" b="0" dirty="0">
+                <a:solidFill>
+                  <a:srgbClr val="D73A49"/>
+                </a:solidFill>
+                <a:effectLst/>
+                <a:latin typeface="SFMono-Regular" panose="020B0009000002000000" pitchFamily="49" charset="0"/>
+              </a:rPr>
+              <a:t>[</a:t>
+            </a:r>
+            <a:r>
+              <a:rPr lang="en-US" b="0" dirty="0" err="1">
+                <a:solidFill>
+                  <a:srgbClr val="24292E"/>
+                </a:solidFill>
+                <a:effectLst/>
+                <a:latin typeface="SFMono-Regular" panose="020B0009000002000000" pitchFamily="49" charset="0"/>
+              </a:rPr>
+              <a:t>i</a:t>
+            </a:r>
+            <a:r>
+              <a:rPr lang="en-US" b="0" dirty="0">
+                <a:solidFill>
+                  <a:srgbClr val="D73A49"/>
+                </a:solidFill>
+                <a:effectLst/>
+                <a:latin typeface="SFMono-Regular" panose="020B0009000002000000" pitchFamily="49" charset="0"/>
+              </a:rPr>
+              <a:t>]</a:t>
+            </a:r>
+            <a:r>
+              <a:rPr lang="en-US" b="0" dirty="0">
+                <a:solidFill>
+                  <a:srgbClr val="24292E"/>
+                </a:solidFill>
+                <a:effectLst/>
+                <a:latin typeface="SFMono-Regular" panose="020B0009000002000000" pitchFamily="49" charset="0"/>
+              </a:rPr>
+              <a:t> </a:t>
+            </a:r>
+            <a:r>
+              <a:rPr lang="en-US" b="0" dirty="0">
+                <a:solidFill>
+                  <a:srgbClr val="D73A49"/>
+                </a:solidFill>
+                <a:effectLst/>
+                <a:latin typeface="SFMono-Regular" panose="020B0009000002000000" pitchFamily="49" charset="0"/>
+              </a:rPr>
+              <a:t>=</a:t>
+            </a:r>
+            <a:r>
+              <a:rPr lang="en-US" b="0" dirty="0">
+                <a:solidFill>
+                  <a:srgbClr val="24292E"/>
+                </a:solidFill>
+                <a:effectLst/>
+                <a:latin typeface="SFMono-Regular" panose="020B0009000002000000" pitchFamily="49" charset="0"/>
+              </a:rPr>
+              <a:t> </a:t>
+            </a:r>
+            <a:r>
+              <a:rPr lang="en-US" b="0" dirty="0" err="1">
+                <a:solidFill>
+                  <a:srgbClr val="24292E"/>
+                </a:solidFill>
+                <a:effectLst/>
+                <a:latin typeface="SFMono-Regular" panose="020B0009000002000000" pitchFamily="49" charset="0"/>
+              </a:rPr>
+              <a:t>forwardProp</a:t>
+            </a:r>
+            <a:r>
+              <a:rPr lang="en-US" b="0" dirty="0">
+                <a:solidFill>
+                  <a:srgbClr val="24292E"/>
+                </a:solidFill>
+                <a:effectLst/>
+                <a:latin typeface="SFMono-Regular" panose="020B0009000002000000" pitchFamily="49" charset="0"/>
+              </a:rPr>
+              <a:t>(batch</a:t>
+            </a:r>
+            <a:r>
+              <a:rPr lang="en-US" b="0" dirty="0">
+                <a:solidFill>
+                  <a:srgbClr val="D73A49"/>
+                </a:solidFill>
+                <a:effectLst/>
+                <a:latin typeface="SFMono-Regular" panose="020B0009000002000000" pitchFamily="49" charset="0"/>
+              </a:rPr>
+              <a:t>[</a:t>
+            </a:r>
+            <a:r>
+              <a:rPr lang="en-US" b="0" dirty="0" err="1">
+                <a:solidFill>
+                  <a:srgbClr val="24292E"/>
+                </a:solidFill>
+                <a:effectLst/>
+                <a:latin typeface="SFMono-Regular" panose="020B0009000002000000" pitchFamily="49" charset="0"/>
+              </a:rPr>
+              <a:t>i</a:t>
+            </a:r>
+            <a:r>
+              <a:rPr lang="en-US" b="0" dirty="0">
+                <a:solidFill>
+                  <a:srgbClr val="D73A49"/>
+                </a:solidFill>
+                <a:effectLst/>
+                <a:latin typeface="SFMono-Regular" panose="020B0009000002000000" pitchFamily="49" charset="0"/>
+              </a:rPr>
+              <a:t>]</a:t>
+            </a:r>
+            <a:r>
+              <a:rPr lang="en-US" b="0" dirty="0">
+                <a:solidFill>
+                  <a:srgbClr val="24292E"/>
+                </a:solidFill>
+                <a:effectLst/>
+                <a:latin typeface="SFMono-Regular" panose="020B0009000002000000" pitchFamily="49" charset="0"/>
+              </a:rPr>
+              <a:t>);</a:t>
+            </a:r>
+          </a:p>
+          <a:p>
+            <a:pPr lvl="1"/>
+            <a:r>
+              <a:rPr lang="en-US" b="0" dirty="0">
+                <a:solidFill>
+                  <a:srgbClr val="D73A49"/>
+                </a:solidFill>
+                <a:effectLst/>
+                <a:latin typeface="SFMono-Regular" panose="020B0009000002000000" pitchFamily="49" charset="0"/>
+              </a:rPr>
+              <a:t>return</a:t>
+            </a:r>
+            <a:r>
+              <a:rPr lang="en-US" b="0" dirty="0">
+                <a:solidFill>
+                  <a:srgbClr val="24292E"/>
+                </a:solidFill>
+                <a:effectLst/>
+                <a:latin typeface="SFMono-Regular" panose="020B0009000002000000" pitchFamily="49" charset="0"/>
+              </a:rPr>
+              <a:t> activations;</a:t>
+            </a:r>
+          </a:p>
+          <a:p>
+            <a:r>
+              <a:rPr lang="en-US" b="0" dirty="0">
+                <a:solidFill>
+                  <a:srgbClr val="24292E"/>
+                </a:solidFill>
+                <a:effectLst/>
+                <a:latin typeface="SFMono-Regular" panose="020B0009000002000000" pitchFamily="49" charset="0"/>
+              </a:rPr>
+              <a:t>}</a:t>
+            </a:r>
+          </a:p>
+          <a:p>
+            <a:pPr marL="0" indent="0" algn="ctr">
+              <a:lnSpc>
+                <a:spcPct val="90000"/>
+              </a:lnSpc>
+              <a:spcBef>
+                <a:spcPts val="400"/>
+              </a:spcBef>
+              <a:buFont typeface="MetricHPE" panose="020B0503030202060203" pitchFamily="34" charset="0"/>
+              <a:buNone/>
+            </a:pPr>
+            <a:endParaRPr lang="en-US" dirty="0" err="1"/>
           </a:p>
         </p:txBody>
       </p:sp>
     </p:spTree>
     <p:extLst>
       <p:ext uri="{BB962C8B-B14F-4D97-AF65-F5344CB8AC3E}">
-        <p14:creationId xmlns:p14="http://schemas.microsoft.com/office/powerpoint/2010/main" val="3644079142"/>
+        <p14:creationId xmlns:p14="http://schemas.microsoft.com/office/powerpoint/2010/main" val="1754928439"/>
       </p:ext>
     </p:extLst>
   </p:cSld>
